--- a/datatechonlogysolutions/Presentation3.pptx
+++ b/datatechonlogysolutions/Presentation3.pptx
@@ -7,12 +7,12 @@
   <p:sldIdLst>
     <p:sldId id="256" r:id="rId2"/>
     <p:sldId id="257" r:id="rId3"/>
-    <p:sldId id="258" r:id="rId4"/>
-    <p:sldId id="262" r:id="rId5"/>
+    <p:sldId id="266" r:id="rId4"/>
+    <p:sldId id="258" r:id="rId5"/>
     <p:sldId id="259" r:id="rId6"/>
-    <p:sldId id="263" r:id="rId7"/>
-    <p:sldId id="260" r:id="rId8"/>
-    <p:sldId id="261" r:id="rId9"/>
+    <p:sldId id="268" r:id="rId7"/>
+    <p:sldId id="269" r:id="rId8"/>
+    <p:sldId id="260" r:id="rId9"/>
     <p:sldId id="264" r:id="rId10"/>
   </p:sldIdLst>
   <p:sldSz cx="12192000" cy="6858000"/>
@@ -112,6 +112,11 @@
       </a:defRPr>
     </a:lvl9pPr>
   </p:defaultTextStyle>
+  <p:extLst>
+    <p:ext uri="{EFAFB233-063F-42B5-8137-9DF3F51BA10A}">
+      <p15:sldGuideLst xmlns:p15="http://schemas.microsoft.com/office/powerpoint/2012/main"/>
+    </p:ext>
+  </p:extLst>
 </p:presentation>
 </file>
 
@@ -264,7 +269,7 @@
           <a:p>
             <a:fld id="{81E69B91-BFEF-EA4E-BE30-F5FCDF0785F5}" type="datetimeFigureOut">
               <a:rPr lang="en-NP" smtClean="0"/>
-              <a:t>08/04/2024</a:t>
+              <a:t>11/04/2024</a:t>
             </a:fld>
             <a:endParaRPr lang="en-NP"/>
           </a:p>
@@ -464,7 +469,7 @@
           <a:p>
             <a:fld id="{81E69B91-BFEF-EA4E-BE30-F5FCDF0785F5}" type="datetimeFigureOut">
               <a:rPr lang="en-NP" smtClean="0"/>
-              <a:t>08/04/2024</a:t>
+              <a:t>11/04/2024</a:t>
             </a:fld>
             <a:endParaRPr lang="en-NP"/>
           </a:p>
@@ -674,7 +679,7 @@
           <a:p>
             <a:fld id="{81E69B91-BFEF-EA4E-BE30-F5FCDF0785F5}" type="datetimeFigureOut">
               <a:rPr lang="en-NP" smtClean="0"/>
-              <a:t>08/04/2024</a:t>
+              <a:t>11/04/2024</a:t>
             </a:fld>
             <a:endParaRPr lang="en-NP"/>
           </a:p>
@@ -874,7 +879,7 @@
           <a:p>
             <a:fld id="{81E69B91-BFEF-EA4E-BE30-F5FCDF0785F5}" type="datetimeFigureOut">
               <a:rPr lang="en-NP" smtClean="0"/>
-              <a:t>08/04/2024</a:t>
+              <a:t>11/04/2024</a:t>
             </a:fld>
             <a:endParaRPr lang="en-NP"/>
           </a:p>
@@ -1150,7 +1155,7 @@
           <a:p>
             <a:fld id="{81E69B91-BFEF-EA4E-BE30-F5FCDF0785F5}" type="datetimeFigureOut">
               <a:rPr lang="en-NP" smtClean="0"/>
-              <a:t>08/04/2024</a:t>
+              <a:t>11/04/2024</a:t>
             </a:fld>
             <a:endParaRPr lang="en-NP"/>
           </a:p>
@@ -1418,7 +1423,7 @@
           <a:p>
             <a:fld id="{81E69B91-BFEF-EA4E-BE30-F5FCDF0785F5}" type="datetimeFigureOut">
               <a:rPr lang="en-NP" smtClean="0"/>
-              <a:t>08/04/2024</a:t>
+              <a:t>11/04/2024</a:t>
             </a:fld>
             <a:endParaRPr lang="en-NP"/>
           </a:p>
@@ -1833,7 +1838,7 @@
           <a:p>
             <a:fld id="{81E69B91-BFEF-EA4E-BE30-F5FCDF0785F5}" type="datetimeFigureOut">
               <a:rPr lang="en-NP" smtClean="0"/>
-              <a:t>08/04/2024</a:t>
+              <a:t>11/04/2024</a:t>
             </a:fld>
             <a:endParaRPr lang="en-NP"/>
           </a:p>
@@ -1975,7 +1980,7 @@
           <a:p>
             <a:fld id="{81E69B91-BFEF-EA4E-BE30-F5FCDF0785F5}" type="datetimeFigureOut">
               <a:rPr lang="en-NP" smtClean="0"/>
-              <a:t>08/04/2024</a:t>
+              <a:t>11/04/2024</a:t>
             </a:fld>
             <a:endParaRPr lang="en-NP"/>
           </a:p>
@@ -2088,7 +2093,7 @@
           <a:p>
             <a:fld id="{81E69B91-BFEF-EA4E-BE30-F5FCDF0785F5}" type="datetimeFigureOut">
               <a:rPr lang="en-NP" smtClean="0"/>
-              <a:t>08/04/2024</a:t>
+              <a:t>11/04/2024</a:t>
             </a:fld>
             <a:endParaRPr lang="en-NP"/>
           </a:p>
@@ -2401,7 +2406,7 @@
           <a:p>
             <a:fld id="{81E69B91-BFEF-EA4E-BE30-F5FCDF0785F5}" type="datetimeFigureOut">
               <a:rPr lang="en-NP" smtClean="0"/>
-              <a:t>08/04/2024</a:t>
+              <a:t>11/04/2024</a:t>
             </a:fld>
             <a:endParaRPr lang="en-NP"/>
           </a:p>
@@ -2690,7 +2695,7 @@
           <a:p>
             <a:fld id="{81E69B91-BFEF-EA4E-BE30-F5FCDF0785F5}" type="datetimeFigureOut">
               <a:rPr lang="en-NP" smtClean="0"/>
-              <a:t>08/04/2024</a:t>
+              <a:t>11/04/2024</a:t>
             </a:fld>
             <a:endParaRPr lang="en-NP"/>
           </a:p>
@@ -2933,7 +2938,7 @@
           <a:p>
             <a:fld id="{81E69B91-BFEF-EA4E-BE30-F5FCDF0785F5}" type="datetimeFigureOut">
               <a:rPr lang="en-NP" smtClean="0"/>
-              <a:t>08/04/2024</a:t>
+              <a:t>11/04/2024</a:t>
             </a:fld>
             <a:endParaRPr lang="en-NP"/>
           </a:p>
@@ -3374,8 +3379,10 @@
           <a:lstStyle/>
           <a:p>
             <a:r>
-              <a:rPr lang="en-NP" sz="4400" dirty="0"/>
-              <a:t>Anaylsis of Smokers, Cannabis use and Vaping in Canada</a:t>
+              <a:rPr lang="en-NP" sz="3200" dirty="0">
+                <a:latin typeface=""/>
+              </a:rPr>
+              <a:t>Analyzing Smokers, Cannabis users and e-ciggrate users in Canada</a:t>
             </a:r>
           </a:p>
         </p:txBody>
@@ -3398,16 +3405,20 @@
         </p:nvSpPr>
         <p:spPr>
           <a:xfrm>
-            <a:off x="4872841" y="6030119"/>
+            <a:off x="4962051" y="5735637"/>
             <a:ext cx="9144000" cy="1655762"/>
           </a:xfrm>
         </p:spPr>
         <p:txBody>
-          <a:bodyPr/>
-          <a:lstStyle/>
-          <a:p>
-            <a:r>
-              <a:rPr lang="en-NP" dirty="0"/>
+          <a:bodyPr>
+            <a:normAutofit/>
+          </a:bodyPr>
+          <a:lstStyle/>
+          <a:p>
+            <a:r>
+              <a:rPr lang="en-NP" sz="2000" dirty="0">
+                <a:latin typeface=""/>
+              </a:rPr>
               <a:t>Prepared by: Raj Prasad Shrestha</a:t>
             </a:r>
           </a:p>
@@ -3459,15 +3470,23 @@
             <p:ph type="title"/>
           </p:nvPr>
         </p:nvSpPr>
-        <p:spPr/>
-        <p:txBody>
-          <a:bodyPr/>
-          <a:lstStyle/>
-          <a:p>
-            <a:r>
-              <a:rPr lang="en-NP" dirty="0"/>
-              <a:t>Problem statement </a:t>
-            </a:r>
+        <p:spPr>
+          <a:xfrm>
+            <a:off x="428296" y="321632"/>
+            <a:ext cx="10515600" cy="1325563"/>
+          </a:xfrm>
+        </p:spPr>
+        <p:txBody>
+          <a:bodyPr>
+            <a:normAutofit/>
+          </a:bodyPr>
+          <a:lstStyle/>
+          <a:p>
+            <a:r>
+              <a:rPr lang="en-NP" sz="4000"/>
+              <a:t>Objectives</a:t>
+            </a:r>
+            <a:endParaRPr lang="en-NP" sz="4000" dirty="0"/>
           </a:p>
         </p:txBody>
       </p:sp>
@@ -3487,48 +3506,24 @@
             <p:ph idx="1"/>
           </p:nvPr>
         </p:nvSpPr>
-        <p:spPr/>
+        <p:spPr>
+          <a:xfrm>
+            <a:off x="960863" y="1581193"/>
+            <a:ext cx="10515600" cy="4351338"/>
+          </a:xfrm>
+        </p:spPr>
         <p:txBody>
           <a:bodyPr>
-            <a:normAutofit lnSpcReduction="10000"/>
+            <a:normAutofit/>
           </a:bodyPr>
           <a:lstStyle/>
           <a:p>
-            <a:r>
-              <a:rPr lang="en-NP" dirty="0"/>
-              <a:t>Stakeholders – Health care organization wants to know </a:t>
-            </a:r>
-          </a:p>
-          <a:p>
+            <a:pPr marL="0" indent="0">
+              <a:buNone/>
+            </a:pPr>
             <a:endParaRPr lang="en-NP" dirty="0"/>
           </a:p>
           <a:p>
-            <a:r>
-              <a:rPr lang="en-US" dirty="0"/>
-              <a:t>Age group</a:t>
-            </a:r>
-            <a:r>
-              <a:rPr lang="en-NP" dirty="0"/>
-              <a:t> and gender most prevalent  and least disease ? </a:t>
-            </a:r>
-            <a:r>
-              <a:rPr lang="en-US" dirty="0"/>
-              <a:t>So that they can adjust the health care professionals accordingly in each province  (Chart 1)</a:t>
-            </a:r>
-          </a:p>
-          <a:p>
-            <a:r>
-              <a:rPr lang="en-US" dirty="0"/>
-              <a:t>Year wise health characteristics with line plot government (time series plot)</a:t>
-            </a:r>
-          </a:p>
-          <a:p>
-            <a:r>
-              <a:rPr lang="en-US" dirty="0"/>
-              <a:t>Linear model  machine learning algorithm to predict  the next five years number of people health characteristics of most and least prevalent disease </a:t>
-            </a:r>
-          </a:p>
-          <a:p>
             <a:endParaRPr lang="en-US" dirty="0"/>
           </a:p>
           <a:p>
@@ -3539,6 +3534,169 @@
           </a:p>
           <a:p>
             <a:endParaRPr lang="en-US" dirty="0"/>
+          </a:p>
+        </p:txBody>
+      </p:sp>
+      <p:sp>
+        <p:nvSpPr>
+          <p:cNvPr id="4" name="TextBox 3">
+            <a:extLst>
+              <a:ext uri="{FF2B5EF4-FFF2-40B4-BE49-F238E27FC236}">
+                <a16:creationId xmlns:a16="http://schemas.microsoft.com/office/drawing/2014/main" id="{76F3396E-F920-0EC8-2C6B-DDDA51913385}"/>
+              </a:ext>
+            </a:extLst>
+          </p:cNvPr>
+          <p:cNvSpPr txBox="1"/>
+          <p:nvPr/>
+        </p:nvSpPr>
+        <p:spPr>
+          <a:xfrm>
+            <a:off x="299001" y="1451849"/>
+            <a:ext cx="12026819" cy="5016758"/>
+          </a:xfrm>
+          <a:prstGeom prst="rect">
+            <a:avLst/>
+          </a:prstGeom>
+          <a:noFill/>
+        </p:spPr>
+        <p:txBody>
+          <a:bodyPr wrap="none" rtlCol="0">
+            <a:spAutoFit/>
+          </a:bodyPr>
+          <a:lstStyle/>
+          <a:p>
+            <a:endParaRPr lang="en-US" sz="2000" dirty="0">
+              <a:latin typeface="Times New Roman" panose="02020603050405020304" pitchFamily="18" charset="0"/>
+              <a:cs typeface="Times New Roman" panose="02020603050405020304" pitchFamily="18" charset="0"/>
+            </a:endParaRPr>
+          </a:p>
+          <a:p>
+            <a:r>
+              <a:rPr lang="en-US" sz="2000" dirty="0">
+                <a:latin typeface="Times New Roman" panose="02020603050405020304" pitchFamily="18" charset="0"/>
+                <a:cs typeface="Times New Roman" panose="02020603050405020304" pitchFamily="18" charset="0"/>
+              </a:rPr>
+              <a:t>1. Identify the Top 5 provinces with the highest number of smokers, cannabis users, and e-cigarette users in 2022.</a:t>
+            </a:r>
+          </a:p>
+          <a:p>
+            <a:r>
+              <a:rPr lang="en-US" sz="2000" dirty="0">
+                <a:latin typeface="Times New Roman" panose="02020603050405020304" pitchFamily="18" charset="0"/>
+                <a:cs typeface="Times New Roman" panose="02020603050405020304" pitchFamily="18" charset="0"/>
+              </a:rPr>
+              <a:t>2. Count the number of people in each age group who are smokers, cannabis users, and e-cigarette users in 2022.</a:t>
+            </a:r>
+          </a:p>
+          <a:p>
+            <a:r>
+              <a:rPr lang="en-US" sz="2000" dirty="0">
+                <a:latin typeface="Times New Roman" panose="02020603050405020304" pitchFamily="18" charset="0"/>
+                <a:cs typeface="Times New Roman" panose="02020603050405020304" pitchFamily="18" charset="0"/>
+              </a:rPr>
+              <a:t>3. Determine the number of male and female smokers, cannabis users, and e-cigarette users in the top 5 provinces </a:t>
+            </a:r>
+          </a:p>
+          <a:p>
+            <a:r>
+              <a:rPr lang="en-US" sz="2000" dirty="0">
+                <a:latin typeface="Times New Roman" panose="02020603050405020304" pitchFamily="18" charset="0"/>
+                <a:cs typeface="Times New Roman" panose="02020603050405020304" pitchFamily="18" charset="0"/>
+              </a:rPr>
+              <a:t>in 2022.</a:t>
+            </a:r>
+          </a:p>
+          <a:p>
+            <a:r>
+              <a:rPr lang="en-US" sz="2000" dirty="0">
+                <a:latin typeface="Times New Roman" panose="02020603050405020304" pitchFamily="18" charset="0"/>
+                <a:cs typeface="Times New Roman" panose="02020603050405020304" pitchFamily="18" charset="0"/>
+              </a:rPr>
+              <a:t>4. Track the number of smokers, cannabis users, and e-cigarette users each year(From 2015- 2022) in each province.</a:t>
+            </a:r>
+          </a:p>
+          <a:p>
+            <a:r>
+              <a:rPr lang="en-US" sz="2000" dirty="0">
+                <a:latin typeface="Times New Roman" panose="02020603050405020304" pitchFamily="18" charset="0"/>
+                <a:cs typeface="Times New Roman" panose="02020603050405020304" pitchFamily="18" charset="0"/>
+              </a:rPr>
+              <a:t>5. Estimate the number of smokers, cannabis users, and e-cigarette users for the next five years.(2023- 2027)</a:t>
+            </a:r>
+          </a:p>
+          <a:p>
+            <a:endParaRPr lang="en-US" sz="2000" dirty="0">
+              <a:latin typeface="Times New Roman" panose="02020603050405020304" pitchFamily="18" charset="0"/>
+              <a:cs typeface="Times New Roman" panose="02020603050405020304" pitchFamily="18" charset="0"/>
+            </a:endParaRPr>
+          </a:p>
+          <a:p>
+            <a:endParaRPr lang="en-US" sz="2000" dirty="0">
+              <a:latin typeface="Times New Roman" panose="02020603050405020304" pitchFamily="18" charset="0"/>
+              <a:cs typeface="Times New Roman" panose="02020603050405020304" pitchFamily="18" charset="0"/>
+            </a:endParaRPr>
+          </a:p>
+          <a:p>
+            <a:endParaRPr lang="en-US" sz="2000" dirty="0">
+              <a:latin typeface="Times New Roman" panose="02020603050405020304" pitchFamily="18" charset="0"/>
+              <a:cs typeface="Times New Roman" panose="02020603050405020304" pitchFamily="18" charset="0"/>
+            </a:endParaRPr>
+          </a:p>
+          <a:p>
+            <a:r>
+              <a:rPr lang="en-NP" sz="2400" dirty="0">
+                <a:latin typeface="Times New Roman" panose="02020603050405020304" pitchFamily="18" charset="0"/>
+                <a:cs typeface="Times New Roman" panose="02020603050405020304" pitchFamily="18" charset="0"/>
+              </a:rPr>
+              <a:t>Interested Stakeholders in the above mentioned objectives:</a:t>
+            </a:r>
+          </a:p>
+          <a:p>
+            <a:r>
+              <a:rPr lang="en-US" sz="2400" dirty="0">
+                <a:latin typeface="Times New Roman" panose="02020603050405020304" pitchFamily="18" charset="0"/>
+                <a:cs typeface="Times New Roman" panose="02020603050405020304" pitchFamily="18" charset="0"/>
+              </a:rPr>
+              <a:t>   1</a:t>
+            </a:r>
+            <a:r>
+              <a:rPr lang="en-US" sz="2400" b="1" dirty="0">
+                <a:latin typeface="Times New Roman" panose="02020603050405020304" pitchFamily="18" charset="0"/>
+                <a:cs typeface="Times New Roman" panose="02020603050405020304" pitchFamily="18" charset="0"/>
+              </a:rPr>
+              <a:t>. Government of Canada</a:t>
+            </a:r>
+          </a:p>
+          <a:p>
+            <a:r>
+              <a:rPr lang="en-US" sz="2400" b="1" dirty="0">
+                <a:latin typeface="Times New Roman" panose="02020603050405020304" pitchFamily="18" charset="0"/>
+                <a:cs typeface="Times New Roman" panose="02020603050405020304" pitchFamily="18" charset="0"/>
+              </a:rPr>
+              <a:t>   2. Health care organizations</a:t>
+            </a:r>
+          </a:p>
+          <a:p>
+            <a:r>
+              <a:rPr lang="en-US" sz="2400" b="1" dirty="0">
+                <a:latin typeface="Times New Roman" panose="02020603050405020304" pitchFamily="18" charset="0"/>
+                <a:cs typeface="Times New Roman" panose="02020603050405020304" pitchFamily="18" charset="0"/>
+              </a:rPr>
+              <a:t>   3. Researchers</a:t>
+            </a:r>
+          </a:p>
+          <a:p>
+            <a:r>
+              <a:rPr lang="en-US" sz="2400" b="1" dirty="0">
+                <a:latin typeface="Times New Roman" panose="02020603050405020304" pitchFamily="18" charset="0"/>
+                <a:cs typeface="Times New Roman" panose="02020603050405020304" pitchFamily="18" charset="0"/>
+              </a:rPr>
+              <a:t>   4. Businesses</a:t>
+            </a:r>
+            <a:endParaRPr lang="en-NP" sz="2400" b="1" dirty="0">
+              <a:latin typeface="Times New Roman" panose="02020603050405020304" pitchFamily="18" charset="0"/>
+              <a:cs typeface="Times New Roman" panose="02020603050405020304" pitchFamily="18" charset="0"/>
+            </a:endParaRPr>
           </a:p>
         </p:txBody>
       </p:sp>
@@ -3552,6 +3710,485 @@
   <p:clrMapOvr>
     <a:masterClrMapping/>
   </p:clrMapOvr>
+  <p:timing>
+    <p:tnLst>
+      <p:par>
+        <p:cTn id="1" dur="indefinite" restart="never" nodeType="tmRoot">
+          <p:childTnLst>
+            <p:seq concurrent="1" nextAc="seek">
+              <p:cTn id="2" dur="indefinite" nodeType="mainSeq">
+                <p:childTnLst>
+                  <p:par>
+                    <p:cTn id="3" fill="hold">
+                      <p:stCondLst>
+                        <p:cond delay="indefinite"/>
+                      </p:stCondLst>
+                      <p:childTnLst>
+                        <p:par>
+                          <p:cTn id="4" fill="hold">
+                            <p:stCondLst>
+                              <p:cond delay="0"/>
+                            </p:stCondLst>
+                            <p:childTnLst>
+                              <p:par>
+                                <p:cTn id="5" presetID="1" presetClass="entr" presetSubtype="0" fill="hold" nodeType="clickEffect">
+                                  <p:stCondLst>
+                                    <p:cond delay="0"/>
+                                  </p:stCondLst>
+                                  <p:childTnLst>
+                                    <p:set>
+                                      <p:cBhvr>
+                                        <p:cTn id="6" dur="1" fill="hold">
+                                          <p:stCondLst>
+                                            <p:cond delay="0"/>
+                                          </p:stCondLst>
+                                        </p:cTn>
+                                        <p:tgtEl>
+                                          <p:spTgt spid="4">
+                                            <p:txEl>
+                                              <p:pRg st="1" end="1"/>
+                                            </p:txEl>
+                                          </p:spTgt>
+                                        </p:tgtEl>
+                                        <p:attrNameLst>
+                                          <p:attrName>style.visibility</p:attrName>
+                                        </p:attrNameLst>
+                                      </p:cBhvr>
+                                      <p:to>
+                                        <p:strVal val="visible"/>
+                                      </p:to>
+                                    </p:set>
+                                  </p:childTnLst>
+                                </p:cTn>
+                              </p:par>
+                            </p:childTnLst>
+                          </p:cTn>
+                        </p:par>
+                      </p:childTnLst>
+                    </p:cTn>
+                  </p:par>
+                  <p:par>
+                    <p:cTn id="7" fill="hold">
+                      <p:stCondLst>
+                        <p:cond delay="indefinite"/>
+                      </p:stCondLst>
+                      <p:childTnLst>
+                        <p:par>
+                          <p:cTn id="8" fill="hold">
+                            <p:stCondLst>
+                              <p:cond delay="0"/>
+                            </p:stCondLst>
+                            <p:childTnLst>
+                              <p:par>
+                                <p:cTn id="9" presetID="1" presetClass="entr" presetSubtype="0" fill="hold" nodeType="clickEffect">
+                                  <p:stCondLst>
+                                    <p:cond delay="0"/>
+                                  </p:stCondLst>
+                                  <p:childTnLst>
+                                    <p:set>
+                                      <p:cBhvr>
+                                        <p:cTn id="10" dur="1" fill="hold">
+                                          <p:stCondLst>
+                                            <p:cond delay="0"/>
+                                          </p:stCondLst>
+                                        </p:cTn>
+                                        <p:tgtEl>
+                                          <p:spTgt spid="4">
+                                            <p:txEl>
+                                              <p:pRg st="2" end="2"/>
+                                            </p:txEl>
+                                          </p:spTgt>
+                                        </p:tgtEl>
+                                        <p:attrNameLst>
+                                          <p:attrName>style.visibility</p:attrName>
+                                        </p:attrNameLst>
+                                      </p:cBhvr>
+                                      <p:to>
+                                        <p:strVal val="visible"/>
+                                      </p:to>
+                                    </p:set>
+                                  </p:childTnLst>
+                                </p:cTn>
+                              </p:par>
+                            </p:childTnLst>
+                          </p:cTn>
+                        </p:par>
+                      </p:childTnLst>
+                    </p:cTn>
+                  </p:par>
+                  <p:par>
+                    <p:cTn id="11" fill="hold">
+                      <p:stCondLst>
+                        <p:cond delay="indefinite"/>
+                      </p:stCondLst>
+                      <p:childTnLst>
+                        <p:par>
+                          <p:cTn id="12" fill="hold">
+                            <p:stCondLst>
+                              <p:cond delay="0"/>
+                            </p:stCondLst>
+                            <p:childTnLst>
+                              <p:par>
+                                <p:cTn id="13" presetID="1" presetClass="entr" presetSubtype="0" fill="hold" nodeType="clickEffect">
+                                  <p:stCondLst>
+                                    <p:cond delay="0"/>
+                                  </p:stCondLst>
+                                  <p:childTnLst>
+                                    <p:set>
+                                      <p:cBhvr>
+                                        <p:cTn id="14" dur="1" fill="hold">
+                                          <p:stCondLst>
+                                            <p:cond delay="0"/>
+                                          </p:stCondLst>
+                                        </p:cTn>
+                                        <p:tgtEl>
+                                          <p:spTgt spid="4">
+                                            <p:txEl>
+                                              <p:pRg st="3" end="3"/>
+                                            </p:txEl>
+                                          </p:spTgt>
+                                        </p:tgtEl>
+                                        <p:attrNameLst>
+                                          <p:attrName>style.visibility</p:attrName>
+                                        </p:attrNameLst>
+                                      </p:cBhvr>
+                                      <p:to>
+                                        <p:strVal val="visible"/>
+                                      </p:to>
+                                    </p:set>
+                                  </p:childTnLst>
+                                </p:cTn>
+                              </p:par>
+                              <p:par>
+                                <p:cTn id="15" presetID="1" presetClass="entr" presetSubtype="0" fill="hold" nodeType="withEffect">
+                                  <p:stCondLst>
+                                    <p:cond delay="0"/>
+                                  </p:stCondLst>
+                                  <p:childTnLst>
+                                    <p:set>
+                                      <p:cBhvr>
+                                        <p:cTn id="16" dur="1" fill="hold">
+                                          <p:stCondLst>
+                                            <p:cond delay="0"/>
+                                          </p:stCondLst>
+                                        </p:cTn>
+                                        <p:tgtEl>
+                                          <p:spTgt spid="4">
+                                            <p:txEl>
+                                              <p:pRg st="4" end="4"/>
+                                            </p:txEl>
+                                          </p:spTgt>
+                                        </p:tgtEl>
+                                        <p:attrNameLst>
+                                          <p:attrName>style.visibility</p:attrName>
+                                        </p:attrNameLst>
+                                      </p:cBhvr>
+                                      <p:to>
+                                        <p:strVal val="visible"/>
+                                      </p:to>
+                                    </p:set>
+                                  </p:childTnLst>
+                                </p:cTn>
+                              </p:par>
+                            </p:childTnLst>
+                          </p:cTn>
+                        </p:par>
+                      </p:childTnLst>
+                    </p:cTn>
+                  </p:par>
+                  <p:par>
+                    <p:cTn id="17" fill="hold">
+                      <p:stCondLst>
+                        <p:cond delay="indefinite"/>
+                      </p:stCondLst>
+                      <p:childTnLst>
+                        <p:par>
+                          <p:cTn id="18" fill="hold">
+                            <p:stCondLst>
+                              <p:cond delay="0"/>
+                            </p:stCondLst>
+                            <p:childTnLst>
+                              <p:par>
+                                <p:cTn id="19" presetID="1" presetClass="entr" presetSubtype="0" fill="hold" nodeType="clickEffect">
+                                  <p:stCondLst>
+                                    <p:cond delay="0"/>
+                                  </p:stCondLst>
+                                  <p:childTnLst>
+                                    <p:set>
+                                      <p:cBhvr>
+                                        <p:cTn id="20" dur="1" fill="hold">
+                                          <p:stCondLst>
+                                            <p:cond delay="0"/>
+                                          </p:stCondLst>
+                                        </p:cTn>
+                                        <p:tgtEl>
+                                          <p:spTgt spid="4">
+                                            <p:txEl>
+                                              <p:pRg st="5" end="5"/>
+                                            </p:txEl>
+                                          </p:spTgt>
+                                        </p:tgtEl>
+                                        <p:attrNameLst>
+                                          <p:attrName>style.visibility</p:attrName>
+                                        </p:attrNameLst>
+                                      </p:cBhvr>
+                                      <p:to>
+                                        <p:strVal val="visible"/>
+                                      </p:to>
+                                    </p:set>
+                                  </p:childTnLst>
+                                </p:cTn>
+                              </p:par>
+                            </p:childTnLst>
+                          </p:cTn>
+                        </p:par>
+                      </p:childTnLst>
+                    </p:cTn>
+                  </p:par>
+                  <p:par>
+                    <p:cTn id="21" fill="hold">
+                      <p:stCondLst>
+                        <p:cond delay="indefinite"/>
+                      </p:stCondLst>
+                      <p:childTnLst>
+                        <p:par>
+                          <p:cTn id="22" fill="hold">
+                            <p:stCondLst>
+                              <p:cond delay="0"/>
+                            </p:stCondLst>
+                            <p:childTnLst>
+                              <p:par>
+                                <p:cTn id="23" presetID="1" presetClass="entr" presetSubtype="0" fill="hold" nodeType="clickEffect">
+                                  <p:stCondLst>
+                                    <p:cond delay="0"/>
+                                  </p:stCondLst>
+                                  <p:childTnLst>
+                                    <p:set>
+                                      <p:cBhvr>
+                                        <p:cTn id="24" dur="1" fill="hold">
+                                          <p:stCondLst>
+                                            <p:cond delay="0"/>
+                                          </p:stCondLst>
+                                        </p:cTn>
+                                        <p:tgtEl>
+                                          <p:spTgt spid="4">
+                                            <p:txEl>
+                                              <p:pRg st="6" end="6"/>
+                                            </p:txEl>
+                                          </p:spTgt>
+                                        </p:tgtEl>
+                                        <p:attrNameLst>
+                                          <p:attrName>style.visibility</p:attrName>
+                                        </p:attrNameLst>
+                                      </p:cBhvr>
+                                      <p:to>
+                                        <p:strVal val="visible"/>
+                                      </p:to>
+                                    </p:set>
+                                  </p:childTnLst>
+                                </p:cTn>
+                              </p:par>
+                            </p:childTnLst>
+                          </p:cTn>
+                        </p:par>
+                      </p:childTnLst>
+                    </p:cTn>
+                  </p:par>
+                  <p:par>
+                    <p:cTn id="25" fill="hold">
+                      <p:stCondLst>
+                        <p:cond delay="indefinite"/>
+                      </p:stCondLst>
+                      <p:childTnLst>
+                        <p:par>
+                          <p:cTn id="26" fill="hold">
+                            <p:stCondLst>
+                              <p:cond delay="0"/>
+                            </p:stCondLst>
+                            <p:childTnLst>
+                              <p:par>
+                                <p:cTn id="27" presetID="1" presetClass="entr" presetSubtype="0" fill="hold" nodeType="clickEffect">
+                                  <p:stCondLst>
+                                    <p:cond delay="0"/>
+                                  </p:stCondLst>
+                                  <p:childTnLst>
+                                    <p:set>
+                                      <p:cBhvr>
+                                        <p:cTn id="28" dur="1" fill="hold">
+                                          <p:stCondLst>
+                                            <p:cond delay="0"/>
+                                          </p:stCondLst>
+                                        </p:cTn>
+                                        <p:tgtEl>
+                                          <p:spTgt spid="4">
+                                            <p:txEl>
+                                              <p:pRg st="10" end="10"/>
+                                            </p:txEl>
+                                          </p:spTgt>
+                                        </p:tgtEl>
+                                        <p:attrNameLst>
+                                          <p:attrName>style.visibility</p:attrName>
+                                        </p:attrNameLst>
+                                      </p:cBhvr>
+                                      <p:to>
+                                        <p:strVal val="visible"/>
+                                      </p:to>
+                                    </p:set>
+                                  </p:childTnLst>
+                                </p:cTn>
+                              </p:par>
+                              <p:par>
+                                <p:cTn id="29" presetID="1" presetClass="entr" presetSubtype="0" fill="hold" nodeType="withEffect">
+                                  <p:stCondLst>
+                                    <p:cond delay="0"/>
+                                  </p:stCondLst>
+                                  <p:childTnLst>
+                                    <p:set>
+                                      <p:cBhvr>
+                                        <p:cTn id="30" dur="1" fill="hold">
+                                          <p:stCondLst>
+                                            <p:cond delay="0"/>
+                                          </p:stCondLst>
+                                        </p:cTn>
+                                        <p:tgtEl>
+                                          <p:spTgt spid="4">
+                                            <p:txEl>
+                                              <p:pRg st="11" end="11"/>
+                                            </p:txEl>
+                                          </p:spTgt>
+                                        </p:tgtEl>
+                                        <p:attrNameLst>
+                                          <p:attrName>style.visibility</p:attrName>
+                                        </p:attrNameLst>
+                                      </p:cBhvr>
+                                      <p:to>
+                                        <p:strVal val="visible"/>
+                                      </p:to>
+                                    </p:set>
+                                  </p:childTnLst>
+                                </p:cTn>
+                              </p:par>
+                              <p:par>
+                                <p:cTn id="31" presetID="1" presetClass="entr" presetSubtype="0" fill="hold" nodeType="withEffect">
+                                  <p:stCondLst>
+                                    <p:cond delay="0"/>
+                                  </p:stCondLst>
+                                  <p:childTnLst>
+                                    <p:set>
+                                      <p:cBhvr>
+                                        <p:cTn id="32" dur="1" fill="hold">
+                                          <p:stCondLst>
+                                            <p:cond delay="0"/>
+                                          </p:stCondLst>
+                                        </p:cTn>
+                                        <p:tgtEl>
+                                          <p:spTgt spid="4">
+                                            <p:txEl>
+                                              <p:pRg st="12" end="12"/>
+                                            </p:txEl>
+                                          </p:spTgt>
+                                        </p:tgtEl>
+                                        <p:attrNameLst>
+                                          <p:attrName>style.visibility</p:attrName>
+                                        </p:attrNameLst>
+                                      </p:cBhvr>
+                                      <p:to>
+                                        <p:strVal val="visible"/>
+                                      </p:to>
+                                    </p:set>
+                                  </p:childTnLst>
+                                </p:cTn>
+                              </p:par>
+                              <p:par>
+                                <p:cTn id="33" presetID="1" presetClass="entr" presetSubtype="0" fill="hold" nodeType="withEffect">
+                                  <p:stCondLst>
+                                    <p:cond delay="0"/>
+                                  </p:stCondLst>
+                                  <p:childTnLst>
+                                    <p:set>
+                                      <p:cBhvr>
+                                        <p:cTn id="34" dur="1" fill="hold">
+                                          <p:stCondLst>
+                                            <p:cond delay="0"/>
+                                          </p:stCondLst>
+                                        </p:cTn>
+                                        <p:tgtEl>
+                                          <p:spTgt spid="4">
+                                            <p:txEl>
+                                              <p:pRg st="13" end="13"/>
+                                            </p:txEl>
+                                          </p:spTgt>
+                                        </p:tgtEl>
+                                        <p:attrNameLst>
+                                          <p:attrName>style.visibility</p:attrName>
+                                        </p:attrNameLst>
+                                      </p:cBhvr>
+                                      <p:to>
+                                        <p:strVal val="visible"/>
+                                      </p:to>
+                                    </p:set>
+                                  </p:childTnLst>
+                                </p:cTn>
+                              </p:par>
+                              <p:par>
+                                <p:cTn id="35" presetID="1" presetClass="entr" presetSubtype="0" fill="hold" nodeType="withEffect">
+                                  <p:stCondLst>
+                                    <p:cond delay="0"/>
+                                  </p:stCondLst>
+                                  <p:childTnLst>
+                                    <p:set>
+                                      <p:cBhvr>
+                                        <p:cTn id="36" dur="1" fill="hold">
+                                          <p:stCondLst>
+                                            <p:cond delay="0"/>
+                                          </p:stCondLst>
+                                        </p:cTn>
+                                        <p:tgtEl>
+                                          <p:spTgt spid="4">
+                                            <p:txEl>
+                                              <p:pRg st="14" end="14"/>
+                                            </p:txEl>
+                                          </p:spTgt>
+                                        </p:tgtEl>
+                                        <p:attrNameLst>
+                                          <p:attrName>style.visibility</p:attrName>
+                                        </p:attrNameLst>
+                                      </p:cBhvr>
+                                      <p:to>
+                                        <p:strVal val="visible"/>
+                                      </p:to>
+                                    </p:set>
+                                  </p:childTnLst>
+                                </p:cTn>
+                              </p:par>
+                            </p:childTnLst>
+                          </p:cTn>
+                        </p:par>
+                      </p:childTnLst>
+                    </p:cTn>
+                  </p:par>
+                </p:childTnLst>
+              </p:cTn>
+              <p:prevCondLst>
+                <p:cond evt="onPrev" delay="0">
+                  <p:tgtEl>
+                    <p:sldTgt/>
+                  </p:tgtEl>
+                </p:cond>
+              </p:prevCondLst>
+              <p:nextCondLst>
+                <p:cond evt="onNext" delay="0">
+                  <p:tgtEl>
+                    <p:sldTgt/>
+                  </p:tgtEl>
+                </p:cond>
+              </p:nextCondLst>
+            </p:seq>
+          </p:childTnLst>
+        </p:cTn>
+      </p:par>
+    </p:tnLst>
+  </p:timing>
 </p:sld>
 </file>
 
@@ -3588,47 +4225,62 @@
             <p:ph type="title"/>
           </p:nvPr>
         </p:nvSpPr>
-        <p:spPr/>
-        <p:txBody>
-          <a:bodyPr/>
-          <a:lstStyle/>
-          <a:p>
-            <a:r>
-              <a:rPr lang="en-NP" dirty="0"/>
-              <a:t>Data insights (Chart 1)</a:t>
-            </a:r>
-          </a:p>
-        </p:txBody>
-      </p:sp>
-      <p:sp>
-        <p:nvSpPr>
-          <p:cNvPr id="3" name="Content Placeholder 2">
-            <a:extLst>
-              <a:ext uri="{FF2B5EF4-FFF2-40B4-BE49-F238E27FC236}">
-                <a16:creationId xmlns:a16="http://schemas.microsoft.com/office/drawing/2014/main" id="{F2117707-EFE8-0BA3-03CC-CFA363718C91}"/>
-              </a:ext>
-            </a:extLst>
-          </p:cNvPr>
-          <p:cNvSpPr>
-            <a:spLocks noGrp="1"/>
-          </p:cNvSpPr>
+        <p:spPr>
+          <a:xfrm>
+            <a:off x="552450" y="500062"/>
+            <a:ext cx="10515600" cy="1325563"/>
+          </a:xfrm>
+        </p:spPr>
+        <p:txBody>
+          <a:bodyPr>
+            <a:normAutofit/>
+          </a:bodyPr>
+          <a:lstStyle/>
+          <a:p>
+            <a:r>
+              <a:rPr lang="en-US" sz="2400" dirty="0">
+                <a:latin typeface="Times New Roman" panose="02020603050405020304" pitchFamily="18" charset="0"/>
+                <a:cs typeface="Times New Roman" panose="02020603050405020304" pitchFamily="18" charset="0"/>
+              </a:rPr>
+              <a:t>Objective 1 : Identify the Top 5 provinces with the highest number of smokers, cannabis users, and e-cigarette users in 2022.</a:t>
+            </a:r>
+            <a:endParaRPr lang="en-NP" sz="2400" dirty="0"/>
+          </a:p>
+        </p:txBody>
+      </p:sp>
+      <p:pic>
+        <p:nvPicPr>
+          <p:cNvPr id="11" name="Content Placeholder 10">
+            <a:extLst>
+              <a:ext uri="{FF2B5EF4-FFF2-40B4-BE49-F238E27FC236}">
+                <a16:creationId xmlns:a16="http://schemas.microsoft.com/office/drawing/2014/main" id="{49DAF2B6-D80C-E54D-3129-8B9962D398E8}"/>
+              </a:ext>
+            </a:extLst>
+          </p:cNvPr>
+          <p:cNvPicPr>
+            <a:picLocks noGrp="1" noChangeAspect="1"/>
+          </p:cNvPicPr>
           <p:nvPr>
             <p:ph idx="1"/>
           </p:nvPr>
-        </p:nvSpPr>
-        <p:spPr/>
-        <p:txBody>
-          <a:bodyPr/>
-          <a:lstStyle/>
-          <a:p>
-            <a:endParaRPr lang="en-NP"/>
-          </a:p>
-        </p:txBody>
-      </p:sp>
+        </p:nvPicPr>
+        <p:blipFill>
+          <a:blip r:embed="rId2"/>
+          <a:stretch>
+            <a:fillRect/>
+          </a:stretch>
+        </p:blipFill>
+        <p:spPr>
+          <a:xfrm>
+            <a:off x="3150076" y="1825624"/>
+            <a:ext cx="6193949" cy="4424249"/>
+          </a:xfrm>
+        </p:spPr>
+      </p:pic>
     </p:spTree>
     <p:extLst>
       <p:ext uri="{BB962C8B-B14F-4D97-AF65-F5344CB8AC3E}">
-        <p14:creationId xmlns:p14="http://schemas.microsoft.com/office/powerpoint/2010/main" val="10780720"/>
+        <p14:creationId xmlns:p14="http://schemas.microsoft.com/office/powerpoint/2010/main" val="396483387"/>
       </p:ext>
     </p:extLst>
   </p:cSld>
@@ -3671,47 +4323,68 @@
             <p:ph type="title"/>
           </p:nvPr>
         </p:nvSpPr>
-        <p:spPr/>
-        <p:txBody>
-          <a:bodyPr/>
-          <a:lstStyle/>
-          <a:p>
-            <a:r>
-              <a:rPr lang="en-NP" dirty="0"/>
-              <a:t>Favaroable Actions (Chart 1)</a:t>
-            </a:r>
-          </a:p>
-        </p:txBody>
-      </p:sp>
-      <p:sp>
-        <p:nvSpPr>
-          <p:cNvPr id="3" name="Content Placeholder 2">
-            <a:extLst>
-              <a:ext uri="{FF2B5EF4-FFF2-40B4-BE49-F238E27FC236}">
-                <a16:creationId xmlns:a16="http://schemas.microsoft.com/office/drawing/2014/main" id="{F2117707-EFE8-0BA3-03CC-CFA363718C91}"/>
-              </a:ext>
-            </a:extLst>
-          </p:cNvPr>
-          <p:cNvSpPr>
-            <a:spLocks noGrp="1"/>
-          </p:cNvSpPr>
+        <p:spPr>
+          <a:xfrm>
+            <a:off x="623887" y="666751"/>
+            <a:ext cx="11177588" cy="1276350"/>
+          </a:xfrm>
+        </p:spPr>
+        <p:txBody>
+          <a:bodyPr>
+            <a:normAutofit fontScale="90000"/>
+          </a:bodyPr>
+          <a:lstStyle/>
+          <a:p>
+            <a:r>
+              <a:rPr lang="en-US" sz="2700" dirty="0">
+                <a:latin typeface="Times New Roman" panose="02020603050405020304" pitchFamily="18" charset="0"/>
+                <a:cs typeface="Times New Roman" panose="02020603050405020304" pitchFamily="18" charset="0"/>
+              </a:rPr>
+              <a:t>Objective 2:  Count the number of people in each age group who are smokers, cannabis users, and e-cigarette users in 2022.</a:t>
+            </a:r>
+            <a:br>
+              <a:rPr lang="en-US" sz="4000" dirty="0">
+                <a:latin typeface="Times New Roman" panose="02020603050405020304" pitchFamily="18" charset="0"/>
+                <a:cs typeface="Times New Roman" panose="02020603050405020304" pitchFamily="18" charset="0"/>
+              </a:rPr>
+            </a:br>
+            <a:endParaRPr lang="en-NP" sz="4000" dirty="0"/>
+          </a:p>
+        </p:txBody>
+      </p:sp>
+      <p:pic>
+        <p:nvPicPr>
+          <p:cNvPr id="13" name="Content Placeholder 12">
+            <a:extLst>
+              <a:ext uri="{FF2B5EF4-FFF2-40B4-BE49-F238E27FC236}">
+                <a16:creationId xmlns:a16="http://schemas.microsoft.com/office/drawing/2014/main" id="{37BAABC1-7E73-2D33-E6AE-657DCE2C9603}"/>
+              </a:ext>
+            </a:extLst>
+          </p:cNvPr>
+          <p:cNvPicPr>
+            <a:picLocks noGrp="1" noChangeAspect="1"/>
+          </p:cNvPicPr>
           <p:nvPr>
             <p:ph idx="1"/>
           </p:nvPr>
-        </p:nvSpPr>
-        <p:spPr/>
-        <p:txBody>
-          <a:bodyPr/>
-          <a:lstStyle/>
-          <a:p>
-            <a:endParaRPr lang="en-NP"/>
-          </a:p>
-        </p:txBody>
-      </p:sp>
+        </p:nvPicPr>
+        <p:blipFill>
+          <a:blip r:embed="rId2"/>
+          <a:stretch>
+            <a:fillRect/>
+          </a:stretch>
+        </p:blipFill>
+        <p:spPr>
+          <a:xfrm>
+            <a:off x="3050063" y="2120900"/>
+            <a:ext cx="6091873" cy="4351338"/>
+          </a:xfrm>
+        </p:spPr>
+      </p:pic>
     </p:spTree>
     <p:extLst>
       <p:ext uri="{BB962C8B-B14F-4D97-AF65-F5344CB8AC3E}">
-        <p14:creationId xmlns:p14="http://schemas.microsoft.com/office/powerpoint/2010/main" val="4180250980"/>
+        <p14:creationId xmlns:p14="http://schemas.microsoft.com/office/powerpoint/2010/main" val="10780720"/>
       </p:ext>
     </p:extLst>
   </p:cSld>
@@ -3754,43 +4427,64 @@
             <p:ph type="title"/>
           </p:nvPr>
         </p:nvSpPr>
-        <p:spPr/>
-        <p:txBody>
-          <a:bodyPr/>
-          <a:lstStyle/>
-          <a:p>
-            <a:r>
-              <a:rPr lang="en-NP" dirty="0"/>
-              <a:t>Data insights (Chart 1)</a:t>
-            </a:r>
-          </a:p>
-        </p:txBody>
-      </p:sp>
-      <p:sp>
-        <p:nvSpPr>
-          <p:cNvPr id="3" name="Content Placeholder 2">
-            <a:extLst>
-              <a:ext uri="{FF2B5EF4-FFF2-40B4-BE49-F238E27FC236}">
-                <a16:creationId xmlns:a16="http://schemas.microsoft.com/office/drawing/2014/main" id="{F2117707-EFE8-0BA3-03CC-CFA363718C91}"/>
-              </a:ext>
-            </a:extLst>
-          </p:cNvPr>
-          <p:cNvSpPr>
-            <a:spLocks noGrp="1"/>
-          </p:cNvSpPr>
+        <p:spPr>
+          <a:xfrm>
+            <a:off x="709613" y="500062"/>
+            <a:ext cx="10515600" cy="1325563"/>
+          </a:xfrm>
+        </p:spPr>
+        <p:txBody>
+          <a:bodyPr>
+            <a:normAutofit/>
+          </a:bodyPr>
+          <a:lstStyle/>
+          <a:p>
+            <a:r>
+              <a:rPr lang="en-US" sz="2400" dirty="0">
+                <a:latin typeface="Times New Roman" panose="02020603050405020304" pitchFamily="18" charset="0"/>
+                <a:cs typeface="Times New Roman" panose="02020603050405020304" pitchFamily="18" charset="0"/>
+              </a:rPr>
+              <a:t>Objective 3:  Determine the number of male and female smokers, cannabis users, and e-cigarette users in the top 5 provinces  in 2022</a:t>
+            </a:r>
+            <a:r>
+              <a:rPr lang="en-US" sz="3600" dirty="0">
+                <a:latin typeface="Times New Roman" panose="02020603050405020304" pitchFamily="18" charset="0"/>
+                <a:cs typeface="Times New Roman" panose="02020603050405020304" pitchFamily="18" charset="0"/>
+              </a:rPr>
+              <a:t>.</a:t>
+            </a:r>
+          </a:p>
+        </p:txBody>
+      </p:sp>
+      <p:pic>
+        <p:nvPicPr>
+          <p:cNvPr id="13" name="Content Placeholder 12">
+            <a:extLst>
+              <a:ext uri="{FF2B5EF4-FFF2-40B4-BE49-F238E27FC236}">
+                <a16:creationId xmlns:a16="http://schemas.microsoft.com/office/drawing/2014/main" id="{68FAE02B-1371-399F-6937-F94000F536F7}"/>
+              </a:ext>
+            </a:extLst>
+          </p:cNvPr>
+          <p:cNvPicPr>
+            <a:picLocks noGrp="1" noChangeAspect="1"/>
+          </p:cNvPicPr>
           <p:nvPr>
             <p:ph idx="1"/>
           </p:nvPr>
-        </p:nvSpPr>
-        <p:spPr/>
-        <p:txBody>
-          <a:bodyPr/>
-          <a:lstStyle/>
-          <a:p>
-            <a:endParaRPr lang="en-NP"/>
-          </a:p>
-        </p:txBody>
-      </p:sp>
+        </p:nvPicPr>
+        <p:blipFill>
+          <a:blip r:embed="rId2"/>
+          <a:stretch>
+            <a:fillRect/>
+          </a:stretch>
+        </p:blipFill>
+        <p:spPr>
+          <a:xfrm>
+            <a:off x="3050063" y="1825625"/>
+            <a:ext cx="6091873" cy="4351338"/>
+          </a:xfrm>
+        </p:spPr>
+      </p:pic>
     </p:spTree>
     <p:extLst>
       <p:ext uri="{BB962C8B-B14F-4D97-AF65-F5344CB8AC3E}">
@@ -3839,45 +4533,87 @@
         </p:nvSpPr>
         <p:spPr/>
         <p:txBody>
+          <a:bodyPr>
+            <a:normAutofit/>
+          </a:bodyPr>
+          <a:lstStyle/>
+          <a:p>
+            <a:r>
+              <a:rPr lang="en-US" sz="2400" dirty="0">
+                <a:latin typeface="Times New Roman" panose="02020603050405020304" pitchFamily="18" charset="0"/>
+                <a:cs typeface="Times New Roman" panose="02020603050405020304" pitchFamily="18" charset="0"/>
+              </a:rPr>
+              <a:t>Objective 4: Track the number of smokers, cannabis users, and e-cigarette users each year in each province</a:t>
+            </a:r>
+            <a:r>
+              <a:rPr lang="en-US" sz="4400" dirty="0">
+                <a:latin typeface="Times New Roman" panose="02020603050405020304" pitchFamily="18" charset="0"/>
+                <a:cs typeface="Times New Roman" panose="02020603050405020304" pitchFamily="18" charset="0"/>
+              </a:rPr>
+              <a:t>.</a:t>
+            </a:r>
+          </a:p>
+        </p:txBody>
+      </p:sp>
+      <p:sp>
+        <p:nvSpPr>
+          <p:cNvPr id="4" name="Content Placeholder 3">
+            <a:extLst>
+              <a:ext uri="{FF2B5EF4-FFF2-40B4-BE49-F238E27FC236}">
+                <a16:creationId xmlns:a16="http://schemas.microsoft.com/office/drawing/2014/main" id="{1A797594-DFBA-33F3-755D-894129229A95}"/>
+              </a:ext>
+            </a:extLst>
+          </p:cNvPr>
+          <p:cNvSpPr>
+            <a:spLocks noGrp="1"/>
+          </p:cNvSpPr>
+          <p:nvPr>
+            <p:ph idx="1"/>
+          </p:nvPr>
+        </p:nvSpPr>
+        <p:spPr/>
+        <p:txBody>
           <a:bodyPr/>
           <a:lstStyle/>
           <a:p>
-            <a:r>
-              <a:rPr lang="en-NP" dirty="0"/>
-              <a:t>Favoarble Actions</a:t>
-            </a:r>
-          </a:p>
-        </p:txBody>
-      </p:sp>
-      <p:sp>
-        <p:nvSpPr>
-          <p:cNvPr id="3" name="Content Placeholder 2">
-            <a:extLst>
-              <a:ext uri="{FF2B5EF4-FFF2-40B4-BE49-F238E27FC236}">
-                <a16:creationId xmlns:a16="http://schemas.microsoft.com/office/drawing/2014/main" id="{F2117707-EFE8-0BA3-03CC-CFA363718C91}"/>
-              </a:ext>
-            </a:extLst>
-          </p:cNvPr>
-          <p:cNvSpPr>
-            <a:spLocks noGrp="1"/>
-          </p:cNvSpPr>
-          <p:nvPr>
-            <p:ph idx="1"/>
-          </p:nvPr>
-        </p:nvSpPr>
-        <p:spPr/>
-        <p:txBody>
-          <a:bodyPr/>
-          <a:lstStyle/>
-          <a:p>
-            <a:endParaRPr lang="en-NP"/>
-          </a:p>
-        </p:txBody>
-      </p:sp>
+            <a:endParaRPr lang="en-NP"/>
+          </a:p>
+        </p:txBody>
+      </p:sp>
+      <p:pic>
+        <p:nvPicPr>
+          <p:cNvPr id="5" name="Picture 4">
+            <a:extLst>
+              <a:ext uri="{FF2B5EF4-FFF2-40B4-BE49-F238E27FC236}">
+                <a16:creationId xmlns:a16="http://schemas.microsoft.com/office/drawing/2014/main" id="{4BD2091A-1A67-F4BD-CB42-549A34546756}"/>
+              </a:ext>
+            </a:extLst>
+          </p:cNvPr>
+          <p:cNvPicPr>
+            <a:picLocks noChangeAspect="1"/>
+          </p:cNvPicPr>
+          <p:nvPr/>
+        </p:nvPicPr>
+        <p:blipFill>
+          <a:blip r:embed="rId2"/>
+          <a:stretch>
+            <a:fillRect/>
+          </a:stretch>
+        </p:blipFill>
+        <p:spPr>
+          <a:xfrm>
+            <a:off x="838200" y="1888807"/>
+            <a:ext cx="10815638" cy="4326255"/>
+          </a:xfrm>
+          <a:prstGeom prst="rect">
+            <a:avLst/>
+          </a:prstGeom>
+        </p:spPr>
+      </p:pic>
     </p:spTree>
     <p:extLst>
       <p:ext uri="{BB962C8B-B14F-4D97-AF65-F5344CB8AC3E}">
-        <p14:creationId xmlns:p14="http://schemas.microsoft.com/office/powerpoint/2010/main" val="3037026055"/>
+        <p14:creationId xmlns:p14="http://schemas.microsoft.com/office/powerpoint/2010/main" val="3691774139"/>
       </p:ext>
     </p:extLst>
   </p:cSld>
@@ -3922,45 +4658,54 @@
         </p:nvSpPr>
         <p:spPr/>
         <p:txBody>
-          <a:bodyPr/>
-          <a:lstStyle/>
-          <a:p>
-            <a:r>
-              <a:rPr lang="en-NP" dirty="0"/>
-              <a:t>Data insights (Linear Regression Models)</a:t>
-            </a:r>
-          </a:p>
-        </p:txBody>
-      </p:sp>
-      <p:sp>
-        <p:nvSpPr>
-          <p:cNvPr id="3" name="Content Placeholder 2">
-            <a:extLst>
-              <a:ext uri="{FF2B5EF4-FFF2-40B4-BE49-F238E27FC236}">
-                <a16:creationId xmlns:a16="http://schemas.microsoft.com/office/drawing/2014/main" id="{F2117707-EFE8-0BA3-03CC-CFA363718C91}"/>
-              </a:ext>
-            </a:extLst>
-          </p:cNvPr>
-          <p:cNvSpPr>
-            <a:spLocks noGrp="1"/>
-          </p:cNvSpPr>
+          <a:bodyPr>
+            <a:normAutofit/>
+          </a:bodyPr>
+          <a:lstStyle/>
+          <a:p>
+            <a:r>
+              <a:rPr lang="en-US" sz="2800" dirty="0">
+                <a:latin typeface="Times New Roman" panose="02020603050405020304" pitchFamily="18" charset="0"/>
+                <a:cs typeface="Times New Roman" panose="02020603050405020304" pitchFamily="18" charset="0"/>
+              </a:rPr>
+              <a:t>Objective 5. Estimate the number of smokers, cannabis users, and e-cigarette users for the next five years.</a:t>
+            </a:r>
+          </a:p>
+        </p:txBody>
+      </p:sp>
+      <p:pic>
+        <p:nvPicPr>
+          <p:cNvPr id="15" name="Content Placeholder 14">
+            <a:extLst>
+              <a:ext uri="{FF2B5EF4-FFF2-40B4-BE49-F238E27FC236}">
+                <a16:creationId xmlns:a16="http://schemas.microsoft.com/office/drawing/2014/main" id="{DED91947-E928-0ED0-AC30-88E1E586EFEB}"/>
+              </a:ext>
+            </a:extLst>
+          </p:cNvPr>
+          <p:cNvPicPr>
+            <a:picLocks noGrp="1" noChangeAspect="1"/>
+          </p:cNvPicPr>
           <p:nvPr>
             <p:ph idx="1"/>
           </p:nvPr>
-        </p:nvSpPr>
-        <p:spPr/>
-        <p:txBody>
-          <a:bodyPr/>
-          <a:lstStyle/>
-          <a:p>
-            <a:endParaRPr lang="en-NP" dirty="0"/>
-          </a:p>
-        </p:txBody>
-      </p:sp>
+        </p:nvPicPr>
+        <p:blipFill>
+          <a:blip r:embed="rId2"/>
+          <a:stretch>
+            <a:fillRect/>
+          </a:stretch>
+        </p:blipFill>
+        <p:spPr>
+          <a:xfrm>
+            <a:off x="3050063" y="1825625"/>
+            <a:ext cx="6091873" cy="4351338"/>
+          </a:xfrm>
+        </p:spPr>
+      </p:pic>
     </p:spTree>
     <p:extLst>
       <p:ext uri="{BB962C8B-B14F-4D97-AF65-F5344CB8AC3E}">
-        <p14:creationId xmlns:p14="http://schemas.microsoft.com/office/powerpoint/2010/main" val="1690397684"/>
+        <p14:creationId xmlns:p14="http://schemas.microsoft.com/office/powerpoint/2010/main" val="2586035466"/>
       </p:ext>
     </p:extLst>
   </p:cSld>
@@ -4005,51 +4750,165 @@
         </p:nvSpPr>
         <p:spPr/>
         <p:txBody>
-          <a:bodyPr/>
-          <a:lstStyle/>
-          <a:p>
-            <a:r>
-              <a:rPr lang="en-NP" dirty="0"/>
-              <a:t>Prediciton Result</a:t>
-            </a:r>
-          </a:p>
-        </p:txBody>
-      </p:sp>
-      <p:sp>
-        <p:nvSpPr>
-          <p:cNvPr id="3" name="Content Placeholder 2">
-            <a:extLst>
-              <a:ext uri="{FF2B5EF4-FFF2-40B4-BE49-F238E27FC236}">
-                <a16:creationId xmlns:a16="http://schemas.microsoft.com/office/drawing/2014/main" id="{F2117707-EFE8-0BA3-03CC-CFA363718C91}"/>
-              </a:ext>
-            </a:extLst>
-          </p:cNvPr>
-          <p:cNvSpPr>
-            <a:spLocks noGrp="1"/>
-          </p:cNvSpPr>
+          <a:bodyPr>
+            <a:noAutofit/>
+          </a:bodyPr>
+          <a:lstStyle/>
+          <a:p>
+            <a:r>
+              <a:rPr lang="en-US" sz="2400" dirty="0">
+                <a:latin typeface="Times New Roman" panose="02020603050405020304" pitchFamily="18" charset="0"/>
+                <a:cs typeface="Times New Roman" panose="02020603050405020304" pitchFamily="18" charset="0"/>
+              </a:rPr>
+              <a:t>Objective 5. Estimate the number of smokers, cannabis users, and e-cigarette users for the next five years.</a:t>
+            </a:r>
+          </a:p>
+        </p:txBody>
+      </p:sp>
+      <p:pic>
+        <p:nvPicPr>
+          <p:cNvPr id="9" name="Content Placeholder 8">
+            <a:extLst>
+              <a:ext uri="{FF2B5EF4-FFF2-40B4-BE49-F238E27FC236}">
+                <a16:creationId xmlns:a16="http://schemas.microsoft.com/office/drawing/2014/main" id="{2A6AFA5C-7E39-87C7-CA65-7F82FC5A9E96}"/>
+              </a:ext>
+            </a:extLst>
+          </p:cNvPr>
+          <p:cNvPicPr>
+            <a:picLocks noGrp="1" noChangeAspect="1"/>
+          </p:cNvPicPr>
           <p:nvPr>
             <p:ph idx="1"/>
           </p:nvPr>
-        </p:nvSpPr>
-        <p:spPr/>
-        <p:txBody>
-          <a:bodyPr/>
-          <a:lstStyle/>
-          <a:p>
-            <a:endParaRPr lang="en-NP" dirty="0"/>
-          </a:p>
-        </p:txBody>
-      </p:sp>
+        </p:nvPicPr>
+        <p:blipFill>
+          <a:blip r:embed="rId2"/>
+          <a:stretch>
+            <a:fillRect/>
+          </a:stretch>
+        </p:blipFill>
+        <p:spPr>
+          <a:xfrm>
+            <a:off x="1277019" y="1690688"/>
+            <a:ext cx="6091873" cy="4351338"/>
+          </a:xfrm>
+        </p:spPr>
+      </p:pic>
+      <p:pic>
+        <p:nvPicPr>
+          <p:cNvPr id="11" name="Picture 10">
+            <a:extLst>
+              <a:ext uri="{FF2B5EF4-FFF2-40B4-BE49-F238E27FC236}">
+                <a16:creationId xmlns:a16="http://schemas.microsoft.com/office/drawing/2014/main" id="{3ABF92FD-F4FF-AD29-9E68-94802FD56BC4}"/>
+              </a:ext>
+            </a:extLst>
+          </p:cNvPr>
+          <p:cNvPicPr>
+            <a:picLocks noChangeAspect="1"/>
+          </p:cNvPicPr>
+          <p:nvPr/>
+        </p:nvPicPr>
+        <p:blipFill>
+          <a:blip r:embed="rId3"/>
+          <a:stretch>
+            <a:fillRect/>
+          </a:stretch>
+        </p:blipFill>
+        <p:spPr>
+          <a:xfrm>
+            <a:off x="8155569" y="3645210"/>
+            <a:ext cx="3530600" cy="2489200"/>
+          </a:xfrm>
+          <a:prstGeom prst="rect">
+            <a:avLst/>
+          </a:prstGeom>
+        </p:spPr>
+      </p:pic>
     </p:spTree>
     <p:extLst>
       <p:ext uri="{BB962C8B-B14F-4D97-AF65-F5344CB8AC3E}">
-        <p14:creationId xmlns:p14="http://schemas.microsoft.com/office/powerpoint/2010/main" val="1155785075"/>
+        <p14:creationId xmlns:p14="http://schemas.microsoft.com/office/powerpoint/2010/main" val="1690397684"/>
       </p:ext>
     </p:extLst>
   </p:cSld>
   <p:clrMapOvr>
     <a:masterClrMapping/>
   </p:clrMapOvr>
+  <p:timing>
+    <p:tnLst>
+      <p:par>
+        <p:cTn id="1" dur="indefinite" restart="never" nodeType="tmRoot">
+          <p:childTnLst>
+            <p:seq concurrent="1" nextAc="seek">
+              <p:cTn id="2" dur="indefinite" nodeType="mainSeq">
+                <p:childTnLst>
+                  <p:par>
+                    <p:cTn id="3" fill="hold">
+                      <p:stCondLst>
+                        <p:cond delay="indefinite"/>
+                      </p:stCondLst>
+                      <p:childTnLst>
+                        <p:par>
+                          <p:cTn id="4" fill="hold">
+                            <p:stCondLst>
+                              <p:cond delay="0"/>
+                            </p:stCondLst>
+                            <p:childTnLst>
+                              <p:par>
+                                <p:cTn id="5" presetID="1" presetClass="entr" presetSubtype="0" fill="hold" nodeType="clickEffect">
+                                  <p:stCondLst>
+                                    <p:cond delay="0"/>
+                                  </p:stCondLst>
+                                  <p:childTnLst>
+                                    <p:set>
+                                      <p:cBhvr>
+                                        <p:cTn id="6" dur="1" fill="hold">
+                                          <p:stCondLst>
+                                            <p:cond delay="0"/>
+                                          </p:stCondLst>
+                                        </p:cTn>
+                                        <p:tgtEl>
+                                          <p:spTgt spid="11"/>
+                                        </p:tgtEl>
+                                        <p:attrNameLst>
+                                          <p:attrName>style.visibility</p:attrName>
+                                        </p:attrNameLst>
+                                      </p:cBhvr>
+                                      <p:to>
+                                        <p:strVal val="visible"/>
+                                      </p:to>
+                                    </p:set>
+                                  </p:childTnLst>
+                                </p:cTn>
+                              </p:par>
+                            </p:childTnLst>
+                          </p:cTn>
+                        </p:par>
+                      </p:childTnLst>
+                    </p:cTn>
+                  </p:par>
+                </p:childTnLst>
+              </p:cTn>
+              <p:prevCondLst>
+                <p:cond evt="onPrev" delay="0">
+                  <p:tgtEl>
+                    <p:sldTgt/>
+                  </p:tgtEl>
+                </p:cond>
+              </p:prevCondLst>
+              <p:nextCondLst>
+                <p:cond evt="onNext" delay="0">
+                  <p:tgtEl>
+                    <p:sldTgt/>
+                  </p:tgtEl>
+                </p:cond>
+              </p:nextCondLst>
+            </p:seq>
+          </p:childTnLst>
+        </p:cTn>
+      </p:par>
+    </p:tnLst>
+  </p:timing>
 </p:sld>
 </file>
 
@@ -4088,91 +4947,151 @@
         </p:nvSpPr>
         <p:spPr/>
         <p:txBody>
+          <a:bodyPr>
+            <a:normAutofit/>
+          </a:bodyPr>
+          <a:lstStyle/>
+          <a:p>
+            <a:r>
+              <a:rPr lang="en-NP" sz="3600" dirty="0"/>
+              <a:t>Favorable Actions by each stakeholder</a:t>
+            </a:r>
+          </a:p>
+        </p:txBody>
+      </p:sp>
+      <p:sp>
+        <p:nvSpPr>
+          <p:cNvPr id="3" name="Content Placeholder 2">
+            <a:extLst>
+              <a:ext uri="{FF2B5EF4-FFF2-40B4-BE49-F238E27FC236}">
+                <a16:creationId xmlns:a16="http://schemas.microsoft.com/office/drawing/2014/main" id="{F2117707-EFE8-0BA3-03CC-CFA363718C91}"/>
+              </a:ext>
+            </a:extLst>
+          </p:cNvPr>
+          <p:cNvSpPr>
+            <a:spLocks noGrp="1"/>
+          </p:cNvSpPr>
+          <p:nvPr>
+            <p:ph idx="1"/>
+          </p:nvPr>
+        </p:nvSpPr>
+        <p:spPr/>
+        <p:txBody>
           <a:bodyPr/>
           <a:lstStyle/>
           <a:p>
+            <a:pPr marL="0" indent="0">
+              <a:buNone/>
+            </a:pPr>
+            <a:endParaRPr lang="en-NP" dirty="0"/>
+          </a:p>
+          <a:p>
+            <a:pPr marL="0" indent="0">
+              <a:buNone/>
+            </a:pPr>
+            <a:endParaRPr lang="en-NP" dirty="0"/>
+          </a:p>
+        </p:txBody>
+      </p:sp>
+      <p:sp>
+        <p:nvSpPr>
+          <p:cNvPr id="4" name="TextBox 3">
+            <a:extLst>
+              <a:ext uri="{FF2B5EF4-FFF2-40B4-BE49-F238E27FC236}">
+                <a16:creationId xmlns:a16="http://schemas.microsoft.com/office/drawing/2014/main" id="{EF510A0E-A577-0955-A6EA-B2C285CC726E}"/>
+              </a:ext>
+            </a:extLst>
+          </p:cNvPr>
+          <p:cNvSpPr txBox="1"/>
+          <p:nvPr/>
+        </p:nvSpPr>
+        <p:spPr>
+          <a:xfrm>
+            <a:off x="1561171" y="1690688"/>
+            <a:ext cx="184731" cy="646331"/>
+          </a:xfrm>
+          <a:prstGeom prst="rect">
+            <a:avLst/>
+          </a:prstGeom>
+          <a:noFill/>
+        </p:spPr>
+        <p:txBody>
+          <a:bodyPr wrap="square" rtlCol="0">
+            <a:spAutoFit/>
+          </a:bodyPr>
+          <a:lstStyle/>
+          <a:p>
+            <a:endParaRPr lang="en-NP"/>
+          </a:p>
+          <a:p>
+            <a:endParaRPr lang="en-NP" dirty="0"/>
+          </a:p>
+        </p:txBody>
+      </p:sp>
+      <p:sp>
+        <p:nvSpPr>
+          <p:cNvPr id="6" name="TextBox 5">
+            <a:extLst>
+              <a:ext uri="{FF2B5EF4-FFF2-40B4-BE49-F238E27FC236}">
+                <a16:creationId xmlns:a16="http://schemas.microsoft.com/office/drawing/2014/main" id="{8DABE735-DAE9-CC4B-85EF-78194E85E352}"/>
+              </a:ext>
+            </a:extLst>
+          </p:cNvPr>
+          <p:cNvSpPr txBox="1"/>
+          <p:nvPr/>
+        </p:nvSpPr>
+        <p:spPr>
+          <a:xfrm>
+            <a:off x="917811" y="1600637"/>
+            <a:ext cx="10675098" cy="4801314"/>
+          </a:xfrm>
+          <a:prstGeom prst="rect">
+            <a:avLst/>
+          </a:prstGeom>
+          <a:noFill/>
+        </p:spPr>
+        <p:txBody>
+          <a:bodyPr wrap="square">
+            <a:spAutoFit/>
+          </a:bodyPr>
+          <a:lstStyle/>
+          <a:p>
+            <a:endParaRPr lang="en-NP" dirty="0"/>
+          </a:p>
+          <a:p>
             <a:r>
               <a:rPr lang="en-NP" dirty="0"/>
-              <a:t>Possible Future works</a:t>
-            </a:r>
-          </a:p>
-        </p:txBody>
-      </p:sp>
-      <p:sp>
-        <p:nvSpPr>
-          <p:cNvPr id="3" name="Content Placeholder 2">
-            <a:extLst>
-              <a:ext uri="{FF2B5EF4-FFF2-40B4-BE49-F238E27FC236}">
-                <a16:creationId xmlns:a16="http://schemas.microsoft.com/office/drawing/2014/main" id="{F2117707-EFE8-0BA3-03CC-CFA363718C91}"/>
-              </a:ext>
-            </a:extLst>
-          </p:cNvPr>
-          <p:cNvSpPr>
-            <a:spLocks noGrp="1"/>
-          </p:cNvSpPr>
-          <p:nvPr>
-            <p:ph idx="1"/>
-          </p:nvPr>
-        </p:nvSpPr>
-        <p:spPr/>
-        <p:txBody>
-          <a:bodyPr/>
-          <a:lstStyle/>
-          <a:p>
-            <a:pPr marL="0" indent="0">
-              <a:buNone/>
-            </a:pPr>
-            <a:r>
-              <a:rPr lang="en-US" dirty="0"/>
-              <a:t>G</a:t>
-            </a:r>
+              <a:t>1. Government Agencies: They might make new rules or programs to help people quit smoking or using cannabis. For example, if they find out that a lot of young people smoking and using canabis and e-cigrattes , they might make stricter rules or some limitation about selling them to minors.</a:t>
+            </a:r>
+          </a:p>
+          <a:p>
+            <a:endParaRPr lang="en-NP" dirty="0"/>
+          </a:p>
+          <a:p>
             <a:r>
               <a:rPr lang="en-NP" dirty="0"/>
-              <a:t>eographical data canada map c</a:t>
-            </a:r>
-            <a:r>
-              <a:rPr lang="en-US" dirty="0"/>
-              <a:t>an</a:t>
-            </a:r>
+              <a:t>2. Researchers: They could study the data more to see if there are patterns in who uses these things and why. For instance, they might find out that people in certain areas are more likely to smoke because they feel more stressed.</a:t>
+            </a:r>
+          </a:p>
+          <a:p>
+            <a:endParaRPr lang="en-NP" dirty="0"/>
+          </a:p>
+          <a:p>
             <a:r>
               <a:rPr lang="en-NP" dirty="0"/>
-              <a:t> be created</a:t>
-            </a:r>
-          </a:p>
-          <a:p>
-            <a:pPr marL="0" indent="0">
-              <a:buNone/>
-            </a:pPr>
-            <a:r>
-              <a:rPr lang="en-US" dirty="0"/>
-              <a:t>N</a:t>
-            </a:r>
+              <a:t>3. Health Organizations: These groups might use the information to make brochures or websites with tips on how to quit smoking or using drugs. For example, they might make a poster showing the dangers of smoking and put it up in schools.</a:t>
+            </a:r>
+          </a:p>
+          <a:p>
+            <a:endParaRPr lang="en-NP" dirty="0"/>
+          </a:p>
+          <a:p>
             <a:r>
               <a:rPr lang="en-NP" dirty="0"/>
-              <a:t>o of health care professionals needed according to</a:t>
-            </a:r>
-            <a:r>
-              <a:rPr lang="en-US" dirty="0"/>
-              <a:t> t</a:t>
-            </a:r>
-            <a:r>
-              <a:rPr lang="en-NP" dirty="0"/>
-              <a:t>he need </a:t>
-            </a:r>
-          </a:p>
-          <a:p>
-            <a:pPr marL="0" indent="0">
-              <a:buNone/>
-            </a:pPr>
-            <a:r>
-              <a:rPr lang="en-NP" dirty="0"/>
-              <a:t> </a:t>
-            </a:r>
-          </a:p>
-          <a:p>
-            <a:pPr marL="0" indent="0">
-              <a:buNone/>
-            </a:pPr>
+              <a:t>4. Businesses: Companies that sell cigarettes or vaping products might use the data to decide where to advertise or what kind of products to make. If they see that a lot of young people are using e-cigarettes, they might make flavors that appeal to them.</a:t>
+            </a:r>
+          </a:p>
+          <a:p>
             <a:endParaRPr lang="en-NP" dirty="0"/>
           </a:p>
         </p:txBody>
@@ -4187,6 +5106,232 @@
   <p:clrMapOvr>
     <a:masterClrMapping/>
   </p:clrMapOvr>
+  <p:timing>
+    <p:tnLst>
+      <p:par>
+        <p:cTn id="1" dur="indefinite" restart="never" nodeType="tmRoot">
+          <p:childTnLst>
+            <p:seq concurrent="1" nextAc="seek">
+              <p:cTn id="2" dur="indefinite" nodeType="mainSeq">
+                <p:childTnLst>
+                  <p:par>
+                    <p:cTn id="3" fill="hold">
+                      <p:stCondLst>
+                        <p:cond delay="indefinite"/>
+                      </p:stCondLst>
+                      <p:childTnLst>
+                        <p:par>
+                          <p:cTn id="4" fill="hold">
+                            <p:stCondLst>
+                              <p:cond delay="0"/>
+                            </p:stCondLst>
+                            <p:childTnLst>
+                              <p:par>
+                                <p:cTn id="5" presetID="1" presetClass="entr" presetSubtype="0" fill="hold" nodeType="clickEffect">
+                                  <p:stCondLst>
+                                    <p:cond delay="0"/>
+                                  </p:stCondLst>
+                                  <p:childTnLst>
+                                    <p:set>
+                                      <p:cBhvr>
+                                        <p:cTn id="6" dur="1" fill="hold">
+                                          <p:stCondLst>
+                                            <p:cond delay="0"/>
+                                          </p:stCondLst>
+                                        </p:cTn>
+                                        <p:tgtEl>
+                                          <p:spTgt spid="6">
+                                            <p:txEl>
+                                              <p:pRg st="1" end="1"/>
+                                            </p:txEl>
+                                          </p:spTgt>
+                                        </p:tgtEl>
+                                        <p:attrNameLst>
+                                          <p:attrName>style.visibility</p:attrName>
+                                        </p:attrNameLst>
+                                      </p:cBhvr>
+                                      <p:to>
+                                        <p:strVal val="visible"/>
+                                      </p:to>
+                                    </p:set>
+                                  </p:childTnLst>
+                                </p:cTn>
+                              </p:par>
+                            </p:childTnLst>
+                          </p:cTn>
+                        </p:par>
+                      </p:childTnLst>
+                    </p:cTn>
+                  </p:par>
+                  <p:par>
+                    <p:cTn id="7" fill="hold">
+                      <p:stCondLst>
+                        <p:cond delay="indefinite"/>
+                      </p:stCondLst>
+                      <p:childTnLst>
+                        <p:par>
+                          <p:cTn id="8" fill="hold">
+                            <p:stCondLst>
+                              <p:cond delay="0"/>
+                            </p:stCondLst>
+                            <p:childTnLst>
+                              <p:par>
+                                <p:cTn id="9" presetID="1" presetClass="entr" presetSubtype="0" fill="hold" nodeType="clickEffect">
+                                  <p:stCondLst>
+                                    <p:cond delay="0"/>
+                                  </p:stCondLst>
+                                  <p:childTnLst>
+                                    <p:set>
+                                      <p:cBhvr>
+                                        <p:cTn id="10" dur="1" fill="hold">
+                                          <p:stCondLst>
+                                            <p:cond delay="0"/>
+                                          </p:stCondLst>
+                                        </p:cTn>
+                                        <p:tgtEl>
+                                          <p:spTgt spid="6">
+                                            <p:txEl>
+                                              <p:pRg st="3" end="3"/>
+                                            </p:txEl>
+                                          </p:spTgt>
+                                        </p:tgtEl>
+                                        <p:attrNameLst>
+                                          <p:attrName>style.visibility</p:attrName>
+                                        </p:attrNameLst>
+                                      </p:cBhvr>
+                                      <p:to>
+                                        <p:strVal val="visible"/>
+                                      </p:to>
+                                    </p:set>
+                                  </p:childTnLst>
+                                </p:cTn>
+                              </p:par>
+                            </p:childTnLst>
+                          </p:cTn>
+                        </p:par>
+                      </p:childTnLst>
+                    </p:cTn>
+                  </p:par>
+                  <p:par>
+                    <p:cTn id="11" fill="hold">
+                      <p:stCondLst>
+                        <p:cond delay="indefinite"/>
+                      </p:stCondLst>
+                      <p:childTnLst>
+                        <p:par>
+                          <p:cTn id="12" fill="hold">
+                            <p:stCondLst>
+                              <p:cond delay="0"/>
+                            </p:stCondLst>
+                            <p:childTnLst>
+                              <p:par>
+                                <p:cTn id="13" presetID="1" presetClass="entr" presetSubtype="0" fill="hold" nodeType="clickEffect">
+                                  <p:stCondLst>
+                                    <p:cond delay="0"/>
+                                  </p:stCondLst>
+                                  <p:childTnLst>
+                                    <p:set>
+                                      <p:cBhvr>
+                                        <p:cTn id="14" dur="1" fill="hold">
+                                          <p:stCondLst>
+                                            <p:cond delay="0"/>
+                                          </p:stCondLst>
+                                        </p:cTn>
+                                        <p:tgtEl>
+                                          <p:spTgt spid="6">
+                                            <p:txEl>
+                                              <p:pRg st="5" end="5"/>
+                                            </p:txEl>
+                                          </p:spTgt>
+                                        </p:tgtEl>
+                                        <p:attrNameLst>
+                                          <p:attrName>style.visibility</p:attrName>
+                                        </p:attrNameLst>
+                                      </p:cBhvr>
+                                      <p:to>
+                                        <p:strVal val="visible"/>
+                                      </p:to>
+                                    </p:set>
+                                  </p:childTnLst>
+                                </p:cTn>
+                              </p:par>
+                            </p:childTnLst>
+                          </p:cTn>
+                        </p:par>
+                      </p:childTnLst>
+                    </p:cTn>
+                  </p:par>
+                  <p:par>
+                    <p:cTn id="15" fill="hold">
+                      <p:stCondLst>
+                        <p:cond delay="indefinite"/>
+                      </p:stCondLst>
+                      <p:childTnLst>
+                        <p:par>
+                          <p:cTn id="16" fill="hold">
+                            <p:stCondLst>
+                              <p:cond delay="0"/>
+                            </p:stCondLst>
+                            <p:childTnLst>
+                              <p:par>
+                                <p:cTn id="17" presetID="1" presetClass="entr" presetSubtype="0" fill="hold" nodeType="clickEffect">
+                                  <p:stCondLst>
+                                    <p:cond delay="0"/>
+                                  </p:stCondLst>
+                                  <p:childTnLst>
+                                    <p:set>
+                                      <p:cBhvr>
+                                        <p:cTn id="18" dur="1" fill="hold">
+                                          <p:stCondLst>
+                                            <p:cond delay="0"/>
+                                          </p:stCondLst>
+                                        </p:cTn>
+                                        <p:tgtEl>
+                                          <p:spTgt spid="6">
+                                            <p:txEl>
+                                              <p:pRg st="7" end="7"/>
+                                            </p:txEl>
+                                          </p:spTgt>
+                                        </p:tgtEl>
+                                        <p:attrNameLst>
+                                          <p:attrName>style.visibility</p:attrName>
+                                        </p:attrNameLst>
+                                      </p:cBhvr>
+                                      <p:to>
+                                        <p:strVal val="visible"/>
+                                      </p:to>
+                                    </p:set>
+                                  </p:childTnLst>
+                                </p:cTn>
+                              </p:par>
+                            </p:childTnLst>
+                          </p:cTn>
+                        </p:par>
+                      </p:childTnLst>
+                    </p:cTn>
+                  </p:par>
+                </p:childTnLst>
+              </p:cTn>
+              <p:prevCondLst>
+                <p:cond evt="onPrev" delay="0">
+                  <p:tgtEl>
+                    <p:sldTgt/>
+                  </p:tgtEl>
+                </p:cond>
+              </p:prevCondLst>
+              <p:nextCondLst>
+                <p:cond evt="onNext" delay="0">
+                  <p:tgtEl>
+                    <p:sldTgt/>
+                  </p:tgtEl>
+                </p:cond>
+              </p:nextCondLst>
+            </p:seq>
+          </p:childTnLst>
+        </p:cTn>
+      </p:par>
+    </p:tnLst>
+  </p:timing>
 </p:sld>
 </file>
 

--- a/datatechonlogysolutions/Presentation3.pptx
+++ b/datatechonlogysolutions/Presentation3.pptx
@@ -6,12 +6,12 @@
   </p:sldMasterIdLst>
   <p:sldIdLst>
     <p:sldId id="256" r:id="rId2"/>
-    <p:sldId id="257" r:id="rId3"/>
-    <p:sldId id="266" r:id="rId4"/>
-    <p:sldId id="258" r:id="rId5"/>
-    <p:sldId id="259" r:id="rId6"/>
-    <p:sldId id="268" r:id="rId7"/>
-    <p:sldId id="269" r:id="rId8"/>
+    <p:sldId id="269" r:id="rId3"/>
+    <p:sldId id="257" r:id="rId4"/>
+    <p:sldId id="266" r:id="rId5"/>
+    <p:sldId id="258" r:id="rId6"/>
+    <p:sldId id="259" r:id="rId7"/>
+    <p:sldId id="268" r:id="rId8"/>
     <p:sldId id="260" r:id="rId9"/>
     <p:sldId id="264" r:id="rId10"/>
   </p:sldIdLst>
@@ -269,7 +269,7 @@
           <a:p>
             <a:fld id="{81E69B91-BFEF-EA4E-BE30-F5FCDF0785F5}" type="datetimeFigureOut">
               <a:rPr lang="en-NP" smtClean="0"/>
-              <a:t>11/04/2024</a:t>
+              <a:t>13/04/2024</a:t>
             </a:fld>
             <a:endParaRPr lang="en-NP"/>
           </a:p>
@@ -469,7 +469,7 @@
           <a:p>
             <a:fld id="{81E69B91-BFEF-EA4E-BE30-F5FCDF0785F5}" type="datetimeFigureOut">
               <a:rPr lang="en-NP" smtClean="0"/>
-              <a:t>11/04/2024</a:t>
+              <a:t>13/04/2024</a:t>
             </a:fld>
             <a:endParaRPr lang="en-NP"/>
           </a:p>
@@ -679,7 +679,7 @@
           <a:p>
             <a:fld id="{81E69B91-BFEF-EA4E-BE30-F5FCDF0785F5}" type="datetimeFigureOut">
               <a:rPr lang="en-NP" smtClean="0"/>
-              <a:t>11/04/2024</a:t>
+              <a:t>13/04/2024</a:t>
             </a:fld>
             <a:endParaRPr lang="en-NP"/>
           </a:p>
@@ -879,7 +879,7 @@
           <a:p>
             <a:fld id="{81E69B91-BFEF-EA4E-BE30-F5FCDF0785F5}" type="datetimeFigureOut">
               <a:rPr lang="en-NP" smtClean="0"/>
-              <a:t>11/04/2024</a:t>
+              <a:t>13/04/2024</a:t>
             </a:fld>
             <a:endParaRPr lang="en-NP"/>
           </a:p>
@@ -1155,7 +1155,7 @@
           <a:p>
             <a:fld id="{81E69B91-BFEF-EA4E-BE30-F5FCDF0785F5}" type="datetimeFigureOut">
               <a:rPr lang="en-NP" smtClean="0"/>
-              <a:t>11/04/2024</a:t>
+              <a:t>13/04/2024</a:t>
             </a:fld>
             <a:endParaRPr lang="en-NP"/>
           </a:p>
@@ -1423,7 +1423,7 @@
           <a:p>
             <a:fld id="{81E69B91-BFEF-EA4E-BE30-F5FCDF0785F5}" type="datetimeFigureOut">
               <a:rPr lang="en-NP" smtClean="0"/>
-              <a:t>11/04/2024</a:t>
+              <a:t>13/04/2024</a:t>
             </a:fld>
             <a:endParaRPr lang="en-NP"/>
           </a:p>
@@ -1838,7 +1838,7 @@
           <a:p>
             <a:fld id="{81E69B91-BFEF-EA4E-BE30-F5FCDF0785F5}" type="datetimeFigureOut">
               <a:rPr lang="en-NP" smtClean="0"/>
-              <a:t>11/04/2024</a:t>
+              <a:t>13/04/2024</a:t>
             </a:fld>
             <a:endParaRPr lang="en-NP"/>
           </a:p>
@@ -1980,7 +1980,7 @@
           <a:p>
             <a:fld id="{81E69B91-BFEF-EA4E-BE30-F5FCDF0785F5}" type="datetimeFigureOut">
               <a:rPr lang="en-NP" smtClean="0"/>
-              <a:t>11/04/2024</a:t>
+              <a:t>13/04/2024</a:t>
             </a:fld>
             <a:endParaRPr lang="en-NP"/>
           </a:p>
@@ -2093,7 +2093,7 @@
           <a:p>
             <a:fld id="{81E69B91-BFEF-EA4E-BE30-F5FCDF0785F5}" type="datetimeFigureOut">
               <a:rPr lang="en-NP" smtClean="0"/>
-              <a:t>11/04/2024</a:t>
+              <a:t>13/04/2024</a:t>
             </a:fld>
             <a:endParaRPr lang="en-NP"/>
           </a:p>
@@ -2406,7 +2406,7 @@
           <a:p>
             <a:fld id="{81E69B91-BFEF-EA4E-BE30-F5FCDF0785F5}" type="datetimeFigureOut">
               <a:rPr lang="en-NP" smtClean="0"/>
-              <a:t>11/04/2024</a:t>
+              <a:t>13/04/2024</a:t>
             </a:fld>
             <a:endParaRPr lang="en-NP"/>
           </a:p>
@@ -2695,7 +2695,7 @@
           <a:p>
             <a:fld id="{81E69B91-BFEF-EA4E-BE30-F5FCDF0785F5}" type="datetimeFigureOut">
               <a:rPr lang="en-NP" smtClean="0"/>
-              <a:t>11/04/2024</a:t>
+              <a:t>13/04/2024</a:t>
             </a:fld>
             <a:endParaRPr lang="en-NP"/>
           </a:p>
@@ -2938,7 +2938,7 @@
           <a:p>
             <a:fld id="{81E69B91-BFEF-EA4E-BE30-F5FCDF0785F5}" type="datetimeFigureOut">
               <a:rPr lang="en-NP" smtClean="0"/>
-              <a:t>11/04/2024</a:t>
+              <a:t>13/04/2024</a:t>
             </a:fld>
             <a:endParaRPr lang="en-NP"/>
           </a:p>
@@ -3459,6 +3459,238 @@
           <p:cNvPr id="2" name="Title 1">
             <a:extLst>
               <a:ext uri="{FF2B5EF4-FFF2-40B4-BE49-F238E27FC236}">
+                <a16:creationId xmlns:a16="http://schemas.microsoft.com/office/drawing/2014/main" id="{5F104632-2CC5-2FEC-41C4-98DC3778A6FE}"/>
+              </a:ext>
+            </a:extLst>
+          </p:cNvPr>
+          <p:cNvSpPr>
+            <a:spLocks noGrp="1"/>
+          </p:cNvSpPr>
+          <p:nvPr>
+            <p:ph type="title"/>
+          </p:nvPr>
+        </p:nvSpPr>
+        <p:spPr>
+          <a:xfrm>
+            <a:off x="619295" y="228799"/>
+            <a:ext cx="10515600" cy="1325563"/>
+          </a:xfrm>
+        </p:spPr>
+        <p:txBody>
+          <a:bodyPr/>
+          <a:lstStyle/>
+          <a:p>
+            <a:r>
+              <a:rPr lang="en-NP" dirty="0"/>
+              <a:t>Dataset </a:t>
+            </a:r>
+          </a:p>
+        </p:txBody>
+      </p:sp>
+      <p:pic>
+        <p:nvPicPr>
+          <p:cNvPr id="5" name="Picture 4">
+            <a:hlinkClick r:id="rId2"/>
+            <a:extLst>
+              <a:ext uri="{FF2B5EF4-FFF2-40B4-BE49-F238E27FC236}">
+                <a16:creationId xmlns:a16="http://schemas.microsoft.com/office/drawing/2014/main" id="{57D09AE6-0677-5536-90B4-DA76C19B7649}"/>
+              </a:ext>
+            </a:extLst>
+          </p:cNvPr>
+          <p:cNvPicPr>
+            <a:picLocks noChangeAspect="1"/>
+          </p:cNvPicPr>
+          <p:nvPr/>
+        </p:nvPicPr>
+        <p:blipFill>
+          <a:blip r:embed="rId3"/>
+          <a:stretch>
+            <a:fillRect/>
+          </a:stretch>
+        </p:blipFill>
+        <p:spPr>
+          <a:xfrm>
+            <a:off x="619295" y="1642724"/>
+            <a:ext cx="11419539" cy="3356950"/>
+          </a:xfrm>
+          <a:prstGeom prst="rect">
+            <a:avLst/>
+          </a:prstGeom>
+        </p:spPr>
+      </p:pic>
+      <p:sp>
+        <p:nvSpPr>
+          <p:cNvPr id="6" name="TextBox 5">
+            <a:extLst>
+              <a:ext uri="{FF2B5EF4-FFF2-40B4-BE49-F238E27FC236}">
+                <a16:creationId xmlns:a16="http://schemas.microsoft.com/office/drawing/2014/main" id="{FACCC81C-5BDE-E268-BE9A-13958AD426A0}"/>
+              </a:ext>
+            </a:extLst>
+          </p:cNvPr>
+          <p:cNvSpPr txBox="1"/>
+          <p:nvPr/>
+        </p:nvSpPr>
+        <p:spPr>
+          <a:xfrm>
+            <a:off x="4405902" y="5215276"/>
+            <a:ext cx="4200894" cy="1846659"/>
+          </a:xfrm>
+          <a:prstGeom prst="rect">
+            <a:avLst/>
+          </a:prstGeom>
+          <a:noFill/>
+        </p:spPr>
+        <p:txBody>
+          <a:bodyPr wrap="none" rtlCol="0">
+            <a:spAutoFit/>
+          </a:bodyPr>
+          <a:lstStyle/>
+          <a:p>
+            <a:r>
+              <a:rPr lang="en-NP" sz="2400" dirty="0"/>
+              <a:t>File size: 42.2 Mb (Large)</a:t>
+            </a:r>
+          </a:p>
+          <a:p>
+            <a:r>
+              <a:rPr lang="en-NP" sz="2400" dirty="0"/>
+              <a:t>7 Columns </a:t>
+            </a:r>
+            <a:br>
+              <a:rPr lang="en-NP" sz="2400" dirty="0"/>
+            </a:br>
+            <a:r>
+              <a:rPr lang="en-NP" sz="2400" dirty="0"/>
+              <a:t>No of records: 327165</a:t>
+            </a:r>
+          </a:p>
+          <a:p>
+            <a:r>
+              <a:rPr lang="en-NP" sz="2400" dirty="0"/>
+              <a:t>Categorical and numerical data </a:t>
+            </a:r>
+          </a:p>
+          <a:p>
+            <a:r>
+              <a:rPr lang="en-NP" dirty="0"/>
+              <a:t> </a:t>
+            </a:r>
+          </a:p>
+        </p:txBody>
+      </p:sp>
+    </p:spTree>
+    <p:extLst>
+      <p:ext uri="{BB962C8B-B14F-4D97-AF65-F5344CB8AC3E}">
+        <p14:creationId xmlns:p14="http://schemas.microsoft.com/office/powerpoint/2010/main" val="3771274039"/>
+      </p:ext>
+    </p:extLst>
+  </p:cSld>
+  <p:clrMapOvr>
+    <a:masterClrMapping/>
+  </p:clrMapOvr>
+  <p:timing>
+    <p:tnLst>
+      <p:par>
+        <p:cTn id="1" dur="indefinite" restart="never" nodeType="tmRoot">
+          <p:childTnLst>
+            <p:seq concurrent="1" nextAc="seek">
+              <p:cTn id="2" dur="indefinite" nodeType="mainSeq">
+                <p:childTnLst>
+                  <p:par>
+                    <p:cTn id="3" fill="hold">
+                      <p:stCondLst>
+                        <p:cond delay="indefinite"/>
+                      </p:stCondLst>
+                      <p:childTnLst>
+                        <p:par>
+                          <p:cTn id="4" fill="hold">
+                            <p:stCondLst>
+                              <p:cond delay="0"/>
+                            </p:stCondLst>
+                            <p:childTnLst>
+                              <p:par>
+                                <p:cTn id="5" presetID="1" presetClass="entr" presetSubtype="0" fill="hold" grpId="0" nodeType="clickEffect">
+                                  <p:stCondLst>
+                                    <p:cond delay="0"/>
+                                  </p:stCondLst>
+                                  <p:childTnLst>
+                                    <p:set>
+                                      <p:cBhvr>
+                                        <p:cTn id="6" dur="1" fill="hold">
+                                          <p:stCondLst>
+                                            <p:cond delay="0"/>
+                                          </p:stCondLst>
+                                        </p:cTn>
+                                        <p:tgtEl>
+                                          <p:spTgt spid="6"/>
+                                        </p:tgtEl>
+                                        <p:attrNameLst>
+                                          <p:attrName>style.visibility</p:attrName>
+                                        </p:attrNameLst>
+                                      </p:cBhvr>
+                                      <p:to>
+                                        <p:strVal val="visible"/>
+                                      </p:to>
+                                    </p:set>
+                                  </p:childTnLst>
+                                </p:cTn>
+                              </p:par>
+                            </p:childTnLst>
+                          </p:cTn>
+                        </p:par>
+                      </p:childTnLst>
+                    </p:cTn>
+                  </p:par>
+                </p:childTnLst>
+              </p:cTn>
+              <p:prevCondLst>
+                <p:cond evt="onPrev" delay="0">
+                  <p:tgtEl>
+                    <p:sldTgt/>
+                  </p:tgtEl>
+                </p:cond>
+              </p:prevCondLst>
+              <p:nextCondLst>
+                <p:cond evt="onNext" delay="0">
+                  <p:tgtEl>
+                    <p:sldTgt/>
+                  </p:tgtEl>
+                </p:cond>
+              </p:nextCondLst>
+            </p:seq>
+          </p:childTnLst>
+        </p:cTn>
+      </p:par>
+    </p:tnLst>
+    <p:bldLst>
+      <p:bldP spid="6" grpId="0"/>
+    </p:bldLst>
+  </p:timing>
+</p:sld>
+</file>
+
+<file path=ppt/slides/slide3.xml><?xml version="1.0" encoding="utf-8"?>
+<p:sld xmlns:a="http://schemas.openxmlformats.org/drawingml/2006/main" xmlns:r="http://schemas.openxmlformats.org/officeDocument/2006/relationships" xmlns:p="http://schemas.openxmlformats.org/presentationml/2006/main">
+  <p:cSld>
+    <p:spTree>
+      <p:nvGrpSpPr>
+        <p:cNvPr id="1" name=""/>
+        <p:cNvGrpSpPr/>
+        <p:nvPr/>
+      </p:nvGrpSpPr>
+      <p:grpSpPr>
+        <a:xfrm>
+          <a:off x="0" y="0"/>
+          <a:ext cx="0" cy="0"/>
+          <a:chOff x="0" y="0"/>
+          <a:chExt cx="0" cy="0"/>
+        </a:xfrm>
+      </p:grpSpPr>
+      <p:sp>
+        <p:nvSpPr>
+          <p:cNvPr id="2" name="Title 1">
+            <a:extLst>
+              <a:ext uri="{FF2B5EF4-FFF2-40B4-BE49-F238E27FC236}">
                 <a16:creationId xmlns:a16="http://schemas.microsoft.com/office/drawing/2014/main" id="{07396E2C-0B2A-2433-B53B-3F0C292B1379}"/>
               </a:ext>
             </a:extLst>
@@ -3552,7 +3784,7 @@
         <p:spPr>
           <a:xfrm>
             <a:off x="299001" y="1451849"/>
-            <a:ext cx="12026819" cy="5016758"/>
+            <a:ext cx="12111777" cy="5016758"/>
           </a:xfrm>
           <a:prstGeom prst="rect">
             <a:avLst/>
@@ -3585,7 +3817,7 @@
                 <a:latin typeface="Times New Roman" panose="02020603050405020304" pitchFamily="18" charset="0"/>
                 <a:cs typeface="Times New Roman" panose="02020603050405020304" pitchFamily="18" charset="0"/>
               </a:rPr>
-              <a:t>2. Count the number of people in each age group who are smokers, cannabis users, and e-cigarette users in 2022.</a:t>
+              <a:t>2. Find the percentage of people in each age group who are smokers, cannabis users, and e-cigarette users in 2022.</a:t>
             </a:r>
           </a:p>
           <a:p>
@@ -3621,14 +3853,17 @@
                 <a:latin typeface="Times New Roman" panose="02020603050405020304" pitchFamily="18" charset="0"/>
                 <a:cs typeface="Times New Roman" panose="02020603050405020304" pitchFamily="18" charset="0"/>
               </a:rPr>
-              <a:t>5. Estimate the number of smokers, cannabis users, and e-cigarette users for the next five years.(2023- 2027)</a:t>
-            </a:r>
-          </a:p>
-          <a:p>
-            <a:endParaRPr lang="en-US" sz="2000" dirty="0">
-              <a:latin typeface="Times New Roman" panose="02020603050405020304" pitchFamily="18" charset="0"/>
-              <a:cs typeface="Times New Roman" panose="02020603050405020304" pitchFamily="18" charset="0"/>
-            </a:endParaRPr>
+              <a:t>5. Estimate the number of smokers, cannabis users, and e-cigarette users for the next five years in Ontario province.</a:t>
+            </a:r>
+          </a:p>
+          <a:p>
+            <a:r>
+              <a:rPr lang="en-US" sz="2000" dirty="0">
+                <a:latin typeface="Times New Roman" panose="02020603050405020304" pitchFamily="18" charset="0"/>
+                <a:cs typeface="Times New Roman" panose="02020603050405020304" pitchFamily="18" charset="0"/>
+              </a:rPr>
+              <a:t>(2023- 2027)</a:t>
+            </a:r>
           </a:p>
           <a:p>
             <a:endParaRPr lang="en-US" sz="2000" dirty="0">
@@ -3664,7 +3899,7 @@
                 <a:latin typeface="Times New Roman" panose="02020603050405020304" pitchFamily="18" charset="0"/>
                 <a:cs typeface="Times New Roman" panose="02020603050405020304" pitchFamily="18" charset="0"/>
               </a:rPr>
-              <a:t>. Government of Canada</a:t>
+              <a:t>. Government of Canada </a:t>
             </a:r>
           </a:p>
           <a:p>
@@ -3988,33 +4223,15 @@
                                   </p:childTnLst>
                                 </p:cTn>
                               </p:par>
-                            </p:childTnLst>
-                          </p:cTn>
-                        </p:par>
-                      </p:childTnLst>
-                    </p:cTn>
-                  </p:par>
-                  <p:par>
-                    <p:cTn id="25" fill="hold">
-                      <p:stCondLst>
-                        <p:cond delay="indefinite"/>
-                      </p:stCondLst>
-                      <p:childTnLst>
-                        <p:par>
-                          <p:cTn id="26" fill="hold">
-                            <p:stCondLst>
-                              <p:cond delay="0"/>
-                            </p:stCondLst>
-                            <p:childTnLst>
                               <p:par>
-                                <p:cTn id="27" presetID="1" presetClass="entr" presetSubtype="0" fill="hold" nodeType="clickEffect">
+                                <p:cTn id="25" presetID="1" presetClass="entr" presetSubtype="0" fill="hold" nodeType="withEffect">
                                   <p:stCondLst>
                                     <p:cond delay="0"/>
                                   </p:stCondLst>
                                   <p:childTnLst>
                                     <p:set>
                                       <p:cBhvr>
-                                        <p:cTn id="28" dur="1" fill="hold">
+                                        <p:cTn id="26" dur="1" fill="hold">
                                           <p:stCondLst>
                                             <p:cond delay="0"/>
                                           </p:stCondLst>
@@ -4022,7 +4239,7 @@
                                         <p:tgtEl>
                                           <p:spTgt spid="4">
                                             <p:txEl>
-                                              <p:pRg st="10" end="10"/>
+                                              <p:pRg st="7" end="7"/>
                                             </p:txEl>
                                           </p:spTgt>
                                         </p:tgtEl>
@@ -4037,8 +4254,26 @@
                                   </p:childTnLst>
                                 </p:cTn>
                               </p:par>
+                            </p:childTnLst>
+                          </p:cTn>
+                        </p:par>
+                      </p:childTnLst>
+                    </p:cTn>
+                  </p:par>
+                  <p:par>
+                    <p:cTn id="27" fill="hold">
+                      <p:stCondLst>
+                        <p:cond delay="indefinite"/>
+                      </p:stCondLst>
+                      <p:childTnLst>
+                        <p:par>
+                          <p:cTn id="28" fill="hold">
+                            <p:stCondLst>
+                              <p:cond delay="0"/>
+                            </p:stCondLst>
+                            <p:childTnLst>
                               <p:par>
-                                <p:cTn id="29" presetID="1" presetClass="entr" presetSubtype="0" fill="hold" nodeType="withEffect">
+                                <p:cTn id="29" presetID="1" presetClass="entr" presetSubtype="0" fill="hold" nodeType="clickEffect">
                                   <p:stCondLst>
                                     <p:cond delay="0"/>
                                   </p:stCondLst>
@@ -4053,7 +4288,7 @@
                                         <p:tgtEl>
                                           <p:spTgt spid="4">
                                             <p:txEl>
-                                              <p:pRg st="11" end="11"/>
+                                              <p:pRg st="10" end="10"/>
                                             </p:txEl>
                                           </p:spTgt>
                                         </p:tgtEl>
@@ -4084,7 +4319,7 @@
                                         <p:tgtEl>
                                           <p:spTgt spid="4">
                                             <p:txEl>
-                                              <p:pRg st="12" end="12"/>
+                                              <p:pRg st="11" end="11"/>
                                             </p:txEl>
                                           </p:spTgt>
                                         </p:tgtEl>
@@ -4115,7 +4350,7 @@
                                         <p:tgtEl>
                                           <p:spTgt spid="4">
                                             <p:txEl>
-                                              <p:pRg st="13" end="13"/>
+                                              <p:pRg st="12" end="12"/>
                                             </p:txEl>
                                           </p:spTgt>
                                         </p:tgtEl>
@@ -4139,6 +4374,37 @@
                                     <p:set>
                                       <p:cBhvr>
                                         <p:cTn id="36" dur="1" fill="hold">
+                                          <p:stCondLst>
+                                            <p:cond delay="0"/>
+                                          </p:stCondLst>
+                                        </p:cTn>
+                                        <p:tgtEl>
+                                          <p:spTgt spid="4">
+                                            <p:txEl>
+                                              <p:pRg st="13" end="13"/>
+                                            </p:txEl>
+                                          </p:spTgt>
+                                        </p:tgtEl>
+                                        <p:attrNameLst>
+                                          <p:attrName>style.visibility</p:attrName>
+                                        </p:attrNameLst>
+                                      </p:cBhvr>
+                                      <p:to>
+                                        <p:strVal val="visible"/>
+                                      </p:to>
+                                    </p:set>
+                                  </p:childTnLst>
+                                </p:cTn>
+                              </p:par>
+                              <p:par>
+                                <p:cTn id="37" presetID="1" presetClass="entr" presetSubtype="0" fill="hold" nodeType="withEffect">
+                                  <p:stCondLst>
+                                    <p:cond delay="0"/>
+                                  </p:stCondLst>
+                                  <p:childTnLst>
+                                    <p:set>
+                                      <p:cBhvr>
+                                        <p:cTn id="38" dur="1" fill="hold">
                                           <p:stCondLst>
                                             <p:cond delay="0"/>
                                           </p:stCondLst>
@@ -4192,104 +4458,6 @@
 </p:sld>
 </file>
 
-<file path=ppt/slides/slide3.xml><?xml version="1.0" encoding="utf-8"?>
-<p:sld xmlns:a="http://schemas.openxmlformats.org/drawingml/2006/main" xmlns:r="http://schemas.openxmlformats.org/officeDocument/2006/relationships" xmlns:p="http://schemas.openxmlformats.org/presentationml/2006/main">
-  <p:cSld>
-    <p:spTree>
-      <p:nvGrpSpPr>
-        <p:cNvPr id="1" name=""/>
-        <p:cNvGrpSpPr/>
-        <p:nvPr/>
-      </p:nvGrpSpPr>
-      <p:grpSpPr>
-        <a:xfrm>
-          <a:off x="0" y="0"/>
-          <a:ext cx="0" cy="0"/>
-          <a:chOff x="0" y="0"/>
-          <a:chExt cx="0" cy="0"/>
-        </a:xfrm>
-      </p:grpSpPr>
-      <p:sp>
-        <p:nvSpPr>
-          <p:cNvPr id="2" name="Title 1">
-            <a:extLst>
-              <a:ext uri="{FF2B5EF4-FFF2-40B4-BE49-F238E27FC236}">
-                <a16:creationId xmlns:a16="http://schemas.microsoft.com/office/drawing/2014/main" id="{E34E32CE-36EC-A132-F447-882E376D416E}"/>
-              </a:ext>
-            </a:extLst>
-          </p:cNvPr>
-          <p:cNvSpPr>
-            <a:spLocks noGrp="1"/>
-          </p:cNvSpPr>
-          <p:nvPr>
-            <p:ph type="title"/>
-          </p:nvPr>
-        </p:nvSpPr>
-        <p:spPr>
-          <a:xfrm>
-            <a:off x="552450" y="500062"/>
-            <a:ext cx="10515600" cy="1325563"/>
-          </a:xfrm>
-        </p:spPr>
-        <p:txBody>
-          <a:bodyPr>
-            <a:normAutofit/>
-          </a:bodyPr>
-          <a:lstStyle/>
-          <a:p>
-            <a:r>
-              <a:rPr lang="en-US" sz="2400" dirty="0">
-                <a:latin typeface="Times New Roman" panose="02020603050405020304" pitchFamily="18" charset="0"/>
-                <a:cs typeface="Times New Roman" panose="02020603050405020304" pitchFamily="18" charset="0"/>
-              </a:rPr>
-              <a:t>Objective 1 : Identify the Top 5 provinces with the highest number of smokers, cannabis users, and e-cigarette users in 2022.</a:t>
-            </a:r>
-            <a:endParaRPr lang="en-NP" sz="2400" dirty="0"/>
-          </a:p>
-        </p:txBody>
-      </p:sp>
-      <p:pic>
-        <p:nvPicPr>
-          <p:cNvPr id="11" name="Content Placeholder 10">
-            <a:extLst>
-              <a:ext uri="{FF2B5EF4-FFF2-40B4-BE49-F238E27FC236}">
-                <a16:creationId xmlns:a16="http://schemas.microsoft.com/office/drawing/2014/main" id="{49DAF2B6-D80C-E54D-3129-8B9962D398E8}"/>
-              </a:ext>
-            </a:extLst>
-          </p:cNvPr>
-          <p:cNvPicPr>
-            <a:picLocks noGrp="1" noChangeAspect="1"/>
-          </p:cNvPicPr>
-          <p:nvPr>
-            <p:ph idx="1"/>
-          </p:nvPr>
-        </p:nvPicPr>
-        <p:blipFill>
-          <a:blip r:embed="rId2"/>
-          <a:stretch>
-            <a:fillRect/>
-          </a:stretch>
-        </p:blipFill>
-        <p:spPr>
-          <a:xfrm>
-            <a:off x="3150076" y="1825624"/>
-            <a:ext cx="6193949" cy="4424249"/>
-          </a:xfrm>
-        </p:spPr>
-      </p:pic>
-    </p:spTree>
-    <p:extLst>
-      <p:ext uri="{BB962C8B-B14F-4D97-AF65-F5344CB8AC3E}">
-        <p14:creationId xmlns:p14="http://schemas.microsoft.com/office/powerpoint/2010/main" val="396483387"/>
-      </p:ext>
-    </p:extLst>
-  </p:cSld>
-  <p:clrMapOvr>
-    <a:masterClrMapping/>
-  </p:clrMapOvr>
-</p:sld>
-</file>
-
 <file path=ppt/slides/slide4.xml><?xml version="1.0" encoding="utf-8"?>
 <p:sld xmlns:a="http://schemas.openxmlformats.org/drawingml/2006/main" xmlns:r="http://schemas.openxmlformats.org/officeDocument/2006/relationships" xmlns:p="http://schemas.openxmlformats.org/presentationml/2006/main">
   <p:cSld>
@@ -4325,39 +4493,33 @@
         </p:nvSpPr>
         <p:spPr>
           <a:xfrm>
-            <a:off x="623887" y="666751"/>
-            <a:ext cx="11177588" cy="1276350"/>
+            <a:off x="552450" y="500062"/>
+            <a:ext cx="10515600" cy="1325563"/>
           </a:xfrm>
         </p:spPr>
         <p:txBody>
           <a:bodyPr>
-            <a:normAutofit fontScale="90000"/>
+            <a:normAutofit/>
           </a:bodyPr>
           <a:lstStyle/>
           <a:p>
             <a:r>
-              <a:rPr lang="en-US" sz="2700" dirty="0">
+              <a:rPr lang="en-US" sz="2400" dirty="0">
                 <a:latin typeface="Times New Roman" panose="02020603050405020304" pitchFamily="18" charset="0"/>
                 <a:cs typeface="Times New Roman" panose="02020603050405020304" pitchFamily="18" charset="0"/>
               </a:rPr>
-              <a:t>Objective 2:  Count the number of people in each age group who are smokers, cannabis users, and e-cigarette users in 2022.</a:t>
-            </a:r>
-            <a:br>
-              <a:rPr lang="en-US" sz="4000" dirty="0">
-                <a:latin typeface="Times New Roman" panose="02020603050405020304" pitchFamily="18" charset="0"/>
-                <a:cs typeface="Times New Roman" panose="02020603050405020304" pitchFamily="18" charset="0"/>
-              </a:rPr>
-            </a:br>
-            <a:endParaRPr lang="en-NP" sz="4000" dirty="0"/>
+              <a:t>Objective 1 : Identify the Top 5 provinces with the highest number of smokers, cannabis users, and e-cigarette users in 2022.</a:t>
+            </a:r>
+            <a:endParaRPr lang="en-NP" sz="2400" dirty="0"/>
           </a:p>
         </p:txBody>
       </p:sp>
       <p:pic>
         <p:nvPicPr>
-          <p:cNvPr id="13" name="Content Placeholder 12">
-            <a:extLst>
-              <a:ext uri="{FF2B5EF4-FFF2-40B4-BE49-F238E27FC236}">
-                <a16:creationId xmlns:a16="http://schemas.microsoft.com/office/drawing/2014/main" id="{37BAABC1-7E73-2D33-E6AE-657DCE2C9603}"/>
+          <p:cNvPr id="11" name="Content Placeholder 10">
+            <a:extLst>
+              <a:ext uri="{FF2B5EF4-FFF2-40B4-BE49-F238E27FC236}">
+                <a16:creationId xmlns:a16="http://schemas.microsoft.com/office/drawing/2014/main" id="{49DAF2B6-D80C-E54D-3129-8B9962D398E8}"/>
               </a:ext>
             </a:extLst>
           </p:cNvPr>
@@ -4376,15 +4538,61 @@
         </p:blipFill>
         <p:spPr>
           <a:xfrm>
-            <a:off x="3050063" y="2120900"/>
-            <a:ext cx="6091873" cy="4351338"/>
+            <a:off x="2999025" y="1825625"/>
+            <a:ext cx="6193949" cy="4424249"/>
           </a:xfrm>
         </p:spPr>
       </p:pic>
+      <p:sp>
+        <p:nvSpPr>
+          <p:cNvPr id="3" name="TextBox 2">
+            <a:extLst>
+              <a:ext uri="{FF2B5EF4-FFF2-40B4-BE49-F238E27FC236}">
+                <a16:creationId xmlns:a16="http://schemas.microsoft.com/office/drawing/2014/main" id="{522F422A-71CE-A3D8-530E-73BB5A4A6C15}"/>
+              </a:ext>
+            </a:extLst>
+          </p:cNvPr>
+          <p:cNvSpPr txBox="1"/>
+          <p:nvPr/>
+        </p:nvSpPr>
+        <p:spPr>
+          <a:xfrm>
+            <a:off x="8454590" y="5572766"/>
+            <a:ext cx="3609899" cy="677108"/>
+          </a:xfrm>
+          <a:prstGeom prst="rect">
+            <a:avLst/>
+          </a:prstGeom>
+          <a:noFill/>
+        </p:spPr>
+        <p:txBody>
+          <a:bodyPr wrap="none" rtlCol="0">
+            <a:spAutoFit/>
+          </a:bodyPr>
+          <a:lstStyle/>
+          <a:p>
+            <a:r>
+              <a:rPr lang="en-NP" sz="2000" i="1" dirty="0">
+                <a:solidFill>
+                  <a:srgbClr val="0070C0"/>
+                </a:solidFill>
+              </a:rPr>
+              <a:t>Ontario with the highest number</a:t>
+            </a:r>
+          </a:p>
+          <a:p>
+            <a:endParaRPr lang="en-NP" dirty="0">
+              <a:solidFill>
+                <a:srgbClr val="FF0000"/>
+              </a:solidFill>
+            </a:endParaRPr>
+          </a:p>
+        </p:txBody>
+      </p:sp>
     </p:spTree>
     <p:extLst>
       <p:ext uri="{BB962C8B-B14F-4D97-AF65-F5344CB8AC3E}">
-        <p14:creationId xmlns:p14="http://schemas.microsoft.com/office/powerpoint/2010/main" val="10780720"/>
+        <p14:creationId xmlns:p14="http://schemas.microsoft.com/office/powerpoint/2010/main" val="396483387"/>
       </p:ext>
     </p:extLst>
   </p:cSld>
@@ -4429,30 +4637,44 @@
         </p:nvSpPr>
         <p:spPr>
           <a:xfrm>
-            <a:off x="709613" y="500062"/>
-            <a:ext cx="10515600" cy="1325563"/>
+            <a:off x="623887" y="666751"/>
+            <a:ext cx="11177588" cy="1276350"/>
           </a:xfrm>
         </p:spPr>
         <p:txBody>
           <a:bodyPr>
-            <a:normAutofit/>
+            <a:normAutofit fontScale="90000"/>
           </a:bodyPr>
           <a:lstStyle/>
           <a:p>
             <a:r>
-              <a:rPr lang="en-US" sz="2400" dirty="0">
+              <a:rPr lang="en-US" sz="2700" dirty="0">
                 <a:latin typeface="Times New Roman" panose="02020603050405020304" pitchFamily="18" charset="0"/>
                 <a:cs typeface="Times New Roman" panose="02020603050405020304" pitchFamily="18" charset="0"/>
               </a:rPr>
-              <a:t>Objective 3:  Determine the number of male and female smokers, cannabis users, and e-cigarette users in the top 5 provinces  in 2022</a:t>
-            </a:r>
-            <a:r>
-              <a:rPr lang="en-US" sz="3600" dirty="0">
+              <a:t>Objective 2: </a:t>
+            </a:r>
+            <a:r>
+              <a:rPr lang="en-US" sz="2800" dirty="0">
                 <a:latin typeface="Times New Roman" panose="02020603050405020304" pitchFamily="18" charset="0"/>
                 <a:cs typeface="Times New Roman" panose="02020603050405020304" pitchFamily="18" charset="0"/>
               </a:rPr>
-              <a:t>.</a:t>
-            </a:r>
+              <a:t>Find the percentage of number </a:t>
+            </a:r>
+            <a:r>
+              <a:rPr lang="en-US" sz="2700" dirty="0">
+                <a:latin typeface="Times New Roman" panose="02020603050405020304" pitchFamily="18" charset="0"/>
+                <a:cs typeface="Times New Roman" panose="02020603050405020304" pitchFamily="18" charset="0"/>
+              </a:rPr>
+              <a:t>of people in each age group who are smokers, cannabis users, and e-cigarette users in 2022.</a:t>
+            </a:r>
+            <a:br>
+              <a:rPr lang="en-US" sz="4000" dirty="0">
+                <a:latin typeface="Times New Roman" panose="02020603050405020304" pitchFamily="18" charset="0"/>
+                <a:cs typeface="Times New Roman" panose="02020603050405020304" pitchFamily="18" charset="0"/>
+              </a:rPr>
+            </a:br>
+            <a:endParaRPr lang="en-NP" sz="4000" dirty="0"/>
           </a:p>
         </p:txBody>
       </p:sp>
@@ -4461,7 +4683,7 @@
           <p:cNvPr id="13" name="Content Placeholder 12">
             <a:extLst>
               <a:ext uri="{FF2B5EF4-FFF2-40B4-BE49-F238E27FC236}">
-                <a16:creationId xmlns:a16="http://schemas.microsoft.com/office/drawing/2014/main" id="{68FAE02B-1371-399F-6937-F94000F536F7}"/>
+                <a16:creationId xmlns:a16="http://schemas.microsoft.com/office/drawing/2014/main" id="{37BAABC1-7E73-2D33-E6AE-657DCE2C9603}"/>
               </a:ext>
             </a:extLst>
           </p:cNvPr>
@@ -4480,15 +4702,61 @@
         </p:blipFill>
         <p:spPr>
           <a:xfrm>
-            <a:off x="3050063" y="1825625"/>
+            <a:off x="3050063" y="2120900"/>
             <a:ext cx="6091873" cy="4351338"/>
           </a:xfrm>
         </p:spPr>
       </p:pic>
+      <p:sp>
+        <p:nvSpPr>
+          <p:cNvPr id="3" name="TextBox 2">
+            <a:extLst>
+              <a:ext uri="{FF2B5EF4-FFF2-40B4-BE49-F238E27FC236}">
+                <a16:creationId xmlns:a16="http://schemas.microsoft.com/office/drawing/2014/main" id="{533F9CAA-7CF0-EE09-4E76-B1111F545ABC}"/>
+              </a:ext>
+            </a:extLst>
+          </p:cNvPr>
+          <p:cNvSpPr txBox="1"/>
+          <p:nvPr/>
+        </p:nvSpPr>
+        <p:spPr>
+          <a:xfrm>
+            <a:off x="6918298" y="5795130"/>
+            <a:ext cx="4682820" cy="677108"/>
+          </a:xfrm>
+          <a:prstGeom prst="rect">
+            <a:avLst/>
+          </a:prstGeom>
+          <a:noFill/>
+        </p:spPr>
+        <p:txBody>
+          <a:bodyPr wrap="none" rtlCol="0">
+            <a:spAutoFit/>
+          </a:bodyPr>
+          <a:lstStyle/>
+          <a:p>
+            <a:r>
+              <a:rPr lang="en-NP" sz="2000" i="1" dirty="0">
+                <a:solidFill>
+                  <a:srgbClr val="0070C0"/>
+                </a:solidFill>
+              </a:rPr>
+              <a:t>18 to 24 years age group has the highest % </a:t>
+            </a:r>
+          </a:p>
+          <a:p>
+            <a:endParaRPr lang="en-NP" dirty="0">
+              <a:solidFill>
+                <a:srgbClr val="FF0000"/>
+              </a:solidFill>
+            </a:endParaRPr>
+          </a:p>
+        </p:txBody>
+      </p:sp>
     </p:spTree>
     <p:extLst>
       <p:ext uri="{BB962C8B-B14F-4D97-AF65-F5344CB8AC3E}">
-        <p14:creationId xmlns:p14="http://schemas.microsoft.com/office/powerpoint/2010/main" val="931607959"/>
+        <p14:creationId xmlns:p14="http://schemas.microsoft.com/office/powerpoint/2010/main" val="10780720"/>
       </p:ext>
     </p:extLst>
   </p:cSld>
@@ -4531,7 +4799,12 @@
             <p:ph type="title"/>
           </p:nvPr>
         </p:nvSpPr>
-        <p:spPr/>
+        <p:spPr>
+          <a:xfrm>
+            <a:off x="709613" y="500062"/>
+            <a:ext cx="10515600" cy="1325563"/>
+          </a:xfrm>
+        </p:spPr>
         <p:txBody>
           <a:bodyPr>
             <a:normAutofit/>
@@ -4543,10 +4816,10 @@
                 <a:latin typeface="Times New Roman" panose="02020603050405020304" pitchFamily="18" charset="0"/>
                 <a:cs typeface="Times New Roman" panose="02020603050405020304" pitchFamily="18" charset="0"/>
               </a:rPr>
-              <a:t>Objective 4: Track the number of smokers, cannabis users, and e-cigarette users each year in each province</a:t>
-            </a:r>
-            <a:r>
-              <a:rPr lang="en-US" sz="4400" dirty="0">
+              <a:t>Objective 3:  Determine the number of male and female smokers, cannabis users, and e-cigarette users in the top 5 provinces  in 2022</a:t>
+            </a:r>
+            <a:r>
+              <a:rPr lang="en-US" sz="3600" dirty="0">
                 <a:latin typeface="Times New Roman" panose="02020603050405020304" pitchFamily="18" charset="0"/>
                 <a:cs typeface="Times New Roman" panose="02020603050405020304" pitchFamily="18" charset="0"/>
               </a:rPr>
@@ -4555,44 +4828,21 @@
           </a:p>
         </p:txBody>
       </p:sp>
-      <p:sp>
-        <p:nvSpPr>
-          <p:cNvPr id="4" name="Content Placeholder 3">
-            <a:extLst>
-              <a:ext uri="{FF2B5EF4-FFF2-40B4-BE49-F238E27FC236}">
-                <a16:creationId xmlns:a16="http://schemas.microsoft.com/office/drawing/2014/main" id="{1A797594-DFBA-33F3-755D-894129229A95}"/>
-              </a:ext>
-            </a:extLst>
-          </p:cNvPr>
-          <p:cNvSpPr>
-            <a:spLocks noGrp="1"/>
-          </p:cNvSpPr>
-          <p:nvPr>
-            <p:ph idx="1"/>
-          </p:nvPr>
-        </p:nvSpPr>
-        <p:spPr/>
-        <p:txBody>
-          <a:bodyPr/>
-          <a:lstStyle/>
-          <a:p>
-            <a:endParaRPr lang="en-NP"/>
-          </a:p>
-        </p:txBody>
-      </p:sp>
       <p:pic>
         <p:nvPicPr>
-          <p:cNvPr id="5" name="Picture 4">
-            <a:extLst>
-              <a:ext uri="{FF2B5EF4-FFF2-40B4-BE49-F238E27FC236}">
-                <a16:creationId xmlns:a16="http://schemas.microsoft.com/office/drawing/2014/main" id="{4BD2091A-1A67-F4BD-CB42-549A34546756}"/>
+          <p:cNvPr id="13" name="Content Placeholder 12">
+            <a:extLst>
+              <a:ext uri="{FF2B5EF4-FFF2-40B4-BE49-F238E27FC236}">
+                <a16:creationId xmlns:a16="http://schemas.microsoft.com/office/drawing/2014/main" id="{68FAE02B-1371-399F-6937-F94000F536F7}"/>
               </a:ext>
             </a:extLst>
           </p:cNvPr>
           <p:cNvPicPr>
-            <a:picLocks noChangeAspect="1"/>
+            <a:picLocks noGrp="1" noChangeAspect="1"/>
           </p:cNvPicPr>
-          <p:nvPr/>
+          <p:nvPr>
+            <p:ph idx="1"/>
+          </p:nvPr>
         </p:nvPicPr>
         <p:blipFill>
           <a:blip r:embed="rId2"/>
@@ -4602,18 +4852,72 @@
         </p:blipFill>
         <p:spPr>
           <a:xfrm>
-            <a:off x="838200" y="1888807"/>
-            <a:ext cx="10815638" cy="4326255"/>
+            <a:off x="3050063" y="1825625"/>
+            <a:ext cx="6091873" cy="4351338"/>
+          </a:xfrm>
+        </p:spPr>
+      </p:pic>
+      <p:sp>
+        <p:nvSpPr>
+          <p:cNvPr id="3" name="TextBox 2">
+            <a:extLst>
+              <a:ext uri="{FF2B5EF4-FFF2-40B4-BE49-F238E27FC236}">
+                <a16:creationId xmlns:a16="http://schemas.microsoft.com/office/drawing/2014/main" id="{B3EA3060-785A-832E-8C1D-7DBF1B5563B5}"/>
+              </a:ext>
+            </a:extLst>
+          </p:cNvPr>
+          <p:cNvSpPr txBox="1"/>
+          <p:nvPr/>
+        </p:nvSpPr>
+        <p:spPr>
+          <a:xfrm>
+            <a:off x="8183880" y="5577840"/>
+            <a:ext cx="3972998" cy="646331"/>
           </a:xfrm>
           <a:prstGeom prst="rect">
             <a:avLst/>
           </a:prstGeom>
+          <a:noFill/>
         </p:spPr>
-      </p:pic>
+        <p:txBody>
+          <a:bodyPr wrap="square" rtlCol="0">
+            <a:spAutoFit/>
+          </a:bodyPr>
+          <a:lstStyle/>
+          <a:p>
+            <a:r>
+              <a:rPr lang="en-NP" i="1" dirty="0">
+                <a:solidFill>
+                  <a:srgbClr val="0070C0"/>
+                </a:solidFill>
+              </a:rPr>
+              <a:t>More males using tobacco, canbabis</a:t>
+            </a:r>
+          </a:p>
+          <a:p>
+            <a:r>
+              <a:rPr lang="en-US" i="1" dirty="0">
+                <a:solidFill>
+                  <a:srgbClr val="0070C0"/>
+                </a:solidFill>
+              </a:rPr>
+              <a:t>O</a:t>
+            </a:r>
+            <a:r>
+              <a:rPr lang="en-NP" i="1" dirty="0">
+                <a:solidFill>
+                  <a:srgbClr val="0070C0"/>
+                </a:solidFill>
+              </a:rPr>
+              <a:t>r e-cigrattees than females</a:t>
+            </a:r>
+          </a:p>
+        </p:txBody>
+      </p:sp>
     </p:spTree>
     <p:extLst>
       <p:ext uri="{BB962C8B-B14F-4D97-AF65-F5344CB8AC3E}">
-        <p14:creationId xmlns:p14="http://schemas.microsoft.com/office/powerpoint/2010/main" val="3691774139"/>
+        <p14:creationId xmlns:p14="http://schemas.microsoft.com/office/powerpoint/2010/main" val="931607959"/>
       </p:ext>
     </p:extLst>
   </p:cSld>
@@ -4656,7 +4960,12 @@
             <p:ph type="title"/>
           </p:nvPr>
         </p:nvSpPr>
-        <p:spPr/>
+        <p:spPr>
+          <a:xfrm>
+            <a:off x="838200" y="338588"/>
+            <a:ext cx="10515600" cy="1325563"/>
+          </a:xfrm>
+        </p:spPr>
         <p:txBody>
           <a:bodyPr>
             <a:normAutofit/>
@@ -4664,30 +4973,53 @@
           <a:lstStyle/>
           <a:p>
             <a:r>
-              <a:rPr lang="en-US" sz="2800" dirty="0">
+              <a:rPr lang="en-US" sz="2400" dirty="0">
                 <a:latin typeface="Times New Roman" panose="02020603050405020304" pitchFamily="18" charset="0"/>
                 <a:cs typeface="Times New Roman" panose="02020603050405020304" pitchFamily="18" charset="0"/>
               </a:rPr>
-              <a:t>Objective 5. Estimate the number of smokers, cannabis users, and e-cigarette users for the next five years.</a:t>
-            </a:r>
+              <a:t>Objective 4. Track the number of smokers, cannabis users, and e-cigarette users each year(From 2015- 2022) in each province.</a:t>
+            </a:r>
+          </a:p>
+        </p:txBody>
+      </p:sp>
+      <p:sp>
+        <p:nvSpPr>
+          <p:cNvPr id="4" name="Content Placeholder 3">
+            <a:extLst>
+              <a:ext uri="{FF2B5EF4-FFF2-40B4-BE49-F238E27FC236}">
+                <a16:creationId xmlns:a16="http://schemas.microsoft.com/office/drawing/2014/main" id="{1A797594-DFBA-33F3-755D-894129229A95}"/>
+              </a:ext>
+            </a:extLst>
+          </p:cNvPr>
+          <p:cNvSpPr>
+            <a:spLocks noGrp="1"/>
+          </p:cNvSpPr>
+          <p:nvPr>
+            <p:ph idx="1"/>
+          </p:nvPr>
+        </p:nvSpPr>
+        <p:spPr/>
+        <p:txBody>
+          <a:bodyPr/>
+          <a:lstStyle/>
+          <a:p>
+            <a:endParaRPr lang="en-NP"/>
           </a:p>
         </p:txBody>
       </p:sp>
       <p:pic>
         <p:nvPicPr>
-          <p:cNvPr id="15" name="Content Placeholder 14">
-            <a:extLst>
-              <a:ext uri="{FF2B5EF4-FFF2-40B4-BE49-F238E27FC236}">
-                <a16:creationId xmlns:a16="http://schemas.microsoft.com/office/drawing/2014/main" id="{DED91947-E928-0ED0-AC30-88E1E586EFEB}"/>
+          <p:cNvPr id="5" name="Picture 4">
+            <a:extLst>
+              <a:ext uri="{FF2B5EF4-FFF2-40B4-BE49-F238E27FC236}">
+                <a16:creationId xmlns:a16="http://schemas.microsoft.com/office/drawing/2014/main" id="{4BD2091A-1A67-F4BD-CB42-549A34546756}"/>
               </a:ext>
             </a:extLst>
           </p:cNvPr>
           <p:cNvPicPr>
-            <a:picLocks noGrp="1" noChangeAspect="1"/>
+            <a:picLocks noChangeAspect="1"/>
           </p:cNvPicPr>
-          <p:nvPr>
-            <p:ph idx="1"/>
-          </p:nvPr>
+          <p:nvPr/>
         </p:nvPicPr>
         <p:blipFill>
           <a:blip r:embed="rId2"/>
@@ -4697,15 +5029,110 @@
         </p:blipFill>
         <p:spPr>
           <a:xfrm>
-            <a:off x="3050063" y="1825625"/>
-            <a:ext cx="6091873" cy="4351338"/>
+            <a:off x="838200" y="1530375"/>
+            <a:ext cx="10815638" cy="4326255"/>
           </a:xfrm>
+          <a:prstGeom prst="rect">
+            <a:avLst/>
+          </a:prstGeom>
         </p:spPr>
       </p:pic>
+      <p:sp>
+        <p:nvSpPr>
+          <p:cNvPr id="6" name="TextBox 5">
+            <a:extLst>
+              <a:ext uri="{FF2B5EF4-FFF2-40B4-BE49-F238E27FC236}">
+                <a16:creationId xmlns:a16="http://schemas.microsoft.com/office/drawing/2014/main" id="{09AB2B18-45A8-EC7C-7301-77B0276C0E23}"/>
+              </a:ext>
+            </a:extLst>
+          </p:cNvPr>
+          <p:cNvSpPr txBox="1"/>
+          <p:nvPr/>
+        </p:nvSpPr>
+        <p:spPr>
+          <a:xfrm>
+            <a:off x="6096000" y="5750004"/>
+            <a:ext cx="7175659" cy="1107996"/>
+          </a:xfrm>
+          <a:prstGeom prst="rect">
+            <a:avLst/>
+          </a:prstGeom>
+          <a:noFill/>
+        </p:spPr>
+        <p:txBody>
+          <a:bodyPr wrap="square">
+            <a:spAutoFit/>
+          </a:bodyPr>
+          <a:lstStyle/>
+          <a:p>
+            <a:r>
+              <a:rPr lang="en-US" sz="1600" i="1" dirty="0">
+                <a:solidFill>
+                  <a:srgbClr val="0070C0"/>
+                </a:solidFill>
+              </a:rPr>
+              <a:t>In Ontario, from 2015 to 2018 fewer people but from</a:t>
+            </a:r>
+          </a:p>
+          <a:p>
+            <a:r>
+              <a:rPr lang="en-US" sz="1600" i="1" dirty="0">
+                <a:solidFill>
+                  <a:srgbClr val="0070C0"/>
+                </a:solidFill>
+              </a:rPr>
+              <a:t>2019 to 2021, the number started going up then from</a:t>
+            </a:r>
+            <a:br>
+              <a:rPr lang="en-US" sz="1600" i="1" dirty="0">
+                <a:solidFill>
+                  <a:srgbClr val="0070C0"/>
+                </a:solidFill>
+              </a:rPr>
+            </a:br>
+            <a:r>
+              <a:rPr lang="en-US" sz="1600" i="1" dirty="0">
+                <a:solidFill>
+                  <a:srgbClr val="0070C0"/>
+                </a:solidFill>
+              </a:rPr>
+              <a:t>2021 to 2022, there is a linear increase in the number.</a:t>
+            </a:r>
+            <a:br>
+              <a:rPr lang="en-US" sz="1600" i="1" dirty="0">
+                <a:solidFill>
+                  <a:srgbClr val="0070C0"/>
+                </a:solidFill>
+              </a:rPr>
+            </a:br>
+            <a:r>
+              <a:rPr lang="en-US" sz="1600" i="1" dirty="0">
+                <a:solidFill>
+                  <a:srgbClr val="0070C0"/>
+                </a:solidFill>
+              </a:rPr>
+              <a:t>Similar trends were observed in the other provinces except some</a:t>
+            </a:r>
+            <a:r>
+              <a:rPr lang="en-US" dirty="0">
+                <a:solidFill>
+                  <a:srgbClr val="0070C0"/>
+                </a:solidFill>
+              </a:rPr>
+              <a:t>.</a:t>
+            </a:r>
+            <a:endParaRPr lang="en-NP" dirty="0">
+              <a:solidFill>
+                <a:srgbClr val="0070C0"/>
+              </a:solidFill>
+            </a:endParaRPr>
+          </a:p>
+        </p:txBody>
+      </p:sp>
     </p:spTree>
     <p:extLst>
       <p:ext uri="{BB962C8B-B14F-4D97-AF65-F5344CB8AC3E}">
-        <p14:creationId xmlns:p14="http://schemas.microsoft.com/office/powerpoint/2010/main" val="2586035466"/>
+        <p14:creationId xmlns:p14="http://schemas.microsoft.com/office/powerpoint/2010/main" val="3691774139"/>
       </p:ext>
     </p:extLst>
   </p:cSld>
@@ -4748,7 +5175,12 @@
             <p:ph type="title"/>
           </p:nvPr>
         </p:nvSpPr>
-        <p:spPr/>
+        <p:spPr>
+          <a:xfrm>
+            <a:off x="609600" y="380365"/>
+            <a:ext cx="10515600" cy="1325563"/>
+          </a:xfrm>
+        </p:spPr>
         <p:txBody>
           <a:bodyPr>
             <a:noAutofit/>
@@ -4760,7 +5192,7 @@
                 <a:latin typeface="Times New Roman" panose="02020603050405020304" pitchFamily="18" charset="0"/>
                 <a:cs typeface="Times New Roman" panose="02020603050405020304" pitchFamily="18" charset="0"/>
               </a:rPr>
-              <a:t>Objective 5. Estimate the number of smokers, cannabis users, and e-cigarette users for the next five years.</a:t>
+              <a:t>Objective 5. Estimate the number of smokers, cannabis users, and e-cigarette users for the next five years in Ontario province.(2023- 2027)</a:t>
             </a:r>
           </a:p>
         </p:txBody>
@@ -4824,6 +5256,45 @@
           </a:prstGeom>
         </p:spPr>
       </p:pic>
+      <p:sp>
+        <p:nvSpPr>
+          <p:cNvPr id="3" name="TextBox 2">
+            <a:extLst>
+              <a:ext uri="{FF2B5EF4-FFF2-40B4-BE49-F238E27FC236}">
+                <a16:creationId xmlns:a16="http://schemas.microsoft.com/office/drawing/2014/main" id="{10FDEA41-1FF3-C536-C33C-FE7DD6DEB474}"/>
+              </a:ext>
+            </a:extLst>
+          </p:cNvPr>
+          <p:cNvSpPr txBox="1"/>
+          <p:nvPr/>
+        </p:nvSpPr>
+        <p:spPr>
+          <a:xfrm>
+            <a:off x="7947785" y="6292969"/>
+            <a:ext cx="3859070" cy="369332"/>
+          </a:xfrm>
+          <a:prstGeom prst="rect">
+            <a:avLst/>
+          </a:prstGeom>
+          <a:noFill/>
+        </p:spPr>
+        <p:txBody>
+          <a:bodyPr wrap="none" rtlCol="0">
+            <a:spAutoFit/>
+          </a:bodyPr>
+          <a:lstStyle/>
+          <a:p>
+            <a:r>
+              <a:rPr lang="en-NP" i="1" dirty="0">
+                <a:solidFill>
+                  <a:srgbClr val="0070C0"/>
+                </a:solidFill>
+              </a:rPr>
+              <a:t>Number continues to increase annually</a:t>
+            </a:r>
+          </a:p>
+        </p:txBody>
+      </p:sp>
     </p:spTree>
     <p:extLst>
       <p:ext uri="{BB962C8B-B14F-4D97-AF65-F5344CB8AC3E}">
@@ -4954,7 +5425,7 @@
           <a:p>
             <a:r>
               <a:rPr lang="en-NP" sz="3600" dirty="0"/>
-              <a:t>Favorable Actions by each stakeholder</a:t>
+              <a:t>Favorable Actions by each stakeholder (Conclusions)</a:t>
             </a:r>
           </a:p>
         </p:txBody>
@@ -5042,8 +5513,8 @@
         </p:nvSpPr>
         <p:spPr>
           <a:xfrm>
-            <a:off x="917811" y="1600637"/>
-            <a:ext cx="10675098" cy="4801314"/>
+            <a:off x="678702" y="1225689"/>
+            <a:ext cx="10675098" cy="5632311"/>
           </a:xfrm>
           <a:prstGeom prst="rect">
             <a:avLst/>
@@ -5059,37 +5530,44 @@
             <a:endParaRPr lang="en-NP" dirty="0"/>
           </a:p>
           <a:p>
-            <a:r>
-              <a:rPr lang="en-NP" dirty="0"/>
-              <a:t>1. Government Agencies: They might make new rules or programs to help people quit smoking or using cannabis. For example, if they find out that a lot of young people smoking and using canabis and e-cigrattes , they might make stricter rules or some limitation about selling them to minors.</a:t>
-            </a:r>
-          </a:p>
-          <a:p>
-            <a:endParaRPr lang="en-NP" dirty="0"/>
-          </a:p>
-          <a:p>
-            <a:r>
-              <a:rPr lang="en-NP" dirty="0"/>
-              <a:t>2. Researchers: They could study the data more to see if there are patterns in who uses these things and why. For instance, they might find out that people in certain areas are more likely to smoke because they feel more stressed.</a:t>
-            </a:r>
-          </a:p>
-          <a:p>
-            <a:endParaRPr lang="en-NP" dirty="0"/>
-          </a:p>
-          <a:p>
-            <a:r>
-              <a:rPr lang="en-NP" dirty="0"/>
-              <a:t>3. Health Organizations: These groups might use the information to make brochures or websites with tips on how to quit smoking or using drugs. For example, they might make a poster showing the dangers of smoking and put it up in schools.</a:t>
-            </a:r>
-          </a:p>
-          <a:p>
-            <a:endParaRPr lang="en-NP" dirty="0"/>
-          </a:p>
-          <a:p>
-            <a:r>
-              <a:rPr lang="en-NP" dirty="0"/>
-              <a:t>4. Businesses: Companies that sell cigarettes or vaping products might use the data to decide where to advertise or what kind of products to make. If they see that a lot of young people are using e-cigarettes, they might make flavors that appeal to them.</a:t>
-            </a:r>
+            <a:endParaRPr lang="en-US" dirty="0"/>
+          </a:p>
+          <a:p>
+            <a:r>
+              <a:rPr lang="en-US" dirty="0"/>
+              <a:t>1. Government of Canada: They could launch a nationwide campaign with pictorial warnings about the dangers of smoking in public places, aiming to raise awareness and discourage smoking. They might also implement stricter regulations on tobacco advertising and sales, especially targeting youth.</a:t>
+            </a:r>
+          </a:p>
+          <a:p>
+            <a:endParaRPr lang="en-US" dirty="0"/>
+          </a:p>
+          <a:p>
+            <a:r>
+              <a:rPr lang="en-US" dirty="0"/>
+              <a:t>2. Healthcare Organizations: These organizations could offer free nicotine gums, patches, and online support programs to help people quit smoking. They could also collaborate with local communities to organize quit-smoking campaigns and provide resources to those in need.</a:t>
+            </a:r>
+          </a:p>
+          <a:p>
+            <a:endParaRPr lang="en-US" dirty="0"/>
+          </a:p>
+          <a:p>
+            <a:r>
+              <a:rPr lang="en-US" dirty="0"/>
+              <a:t>3. Researchers: Researchers could delve deeper into the relationship between stress and smoking, particularly in larger cities. By understanding the underlying factors, they can develop targeted interventions and programs to address stress-related smoking behaviors.</a:t>
+            </a:r>
+          </a:p>
+          <a:p>
+            <a:endParaRPr lang="en-US" dirty="0"/>
+          </a:p>
+          <a:p>
+            <a:r>
+              <a:rPr lang="en-US" dirty="0"/>
+              <a:t>4. Businesses: Businesses could tailor their marketing strategies to target specific provinces and age groups where smoking rates are high. For example, they might focus on promoting smoking cessation products or alternative smoking methods in these areas to both meet the needs of consumers and contribute to public health initiatives.</a:t>
+            </a:r>
+            <a:br>
+              <a:rPr lang="en-US" dirty="0"/>
+            </a:br>
+            <a:endParaRPr lang="en-US" dirty="0"/>
           </a:p>
           <a:p>
             <a:endParaRPr lang="en-NP" dirty="0"/>
@@ -5106,232 +5584,6 @@
   <p:clrMapOvr>
     <a:masterClrMapping/>
   </p:clrMapOvr>
-  <p:timing>
-    <p:tnLst>
-      <p:par>
-        <p:cTn id="1" dur="indefinite" restart="never" nodeType="tmRoot">
-          <p:childTnLst>
-            <p:seq concurrent="1" nextAc="seek">
-              <p:cTn id="2" dur="indefinite" nodeType="mainSeq">
-                <p:childTnLst>
-                  <p:par>
-                    <p:cTn id="3" fill="hold">
-                      <p:stCondLst>
-                        <p:cond delay="indefinite"/>
-                      </p:stCondLst>
-                      <p:childTnLst>
-                        <p:par>
-                          <p:cTn id="4" fill="hold">
-                            <p:stCondLst>
-                              <p:cond delay="0"/>
-                            </p:stCondLst>
-                            <p:childTnLst>
-                              <p:par>
-                                <p:cTn id="5" presetID="1" presetClass="entr" presetSubtype="0" fill="hold" nodeType="clickEffect">
-                                  <p:stCondLst>
-                                    <p:cond delay="0"/>
-                                  </p:stCondLst>
-                                  <p:childTnLst>
-                                    <p:set>
-                                      <p:cBhvr>
-                                        <p:cTn id="6" dur="1" fill="hold">
-                                          <p:stCondLst>
-                                            <p:cond delay="0"/>
-                                          </p:stCondLst>
-                                        </p:cTn>
-                                        <p:tgtEl>
-                                          <p:spTgt spid="6">
-                                            <p:txEl>
-                                              <p:pRg st="1" end="1"/>
-                                            </p:txEl>
-                                          </p:spTgt>
-                                        </p:tgtEl>
-                                        <p:attrNameLst>
-                                          <p:attrName>style.visibility</p:attrName>
-                                        </p:attrNameLst>
-                                      </p:cBhvr>
-                                      <p:to>
-                                        <p:strVal val="visible"/>
-                                      </p:to>
-                                    </p:set>
-                                  </p:childTnLst>
-                                </p:cTn>
-                              </p:par>
-                            </p:childTnLst>
-                          </p:cTn>
-                        </p:par>
-                      </p:childTnLst>
-                    </p:cTn>
-                  </p:par>
-                  <p:par>
-                    <p:cTn id="7" fill="hold">
-                      <p:stCondLst>
-                        <p:cond delay="indefinite"/>
-                      </p:stCondLst>
-                      <p:childTnLst>
-                        <p:par>
-                          <p:cTn id="8" fill="hold">
-                            <p:stCondLst>
-                              <p:cond delay="0"/>
-                            </p:stCondLst>
-                            <p:childTnLst>
-                              <p:par>
-                                <p:cTn id="9" presetID="1" presetClass="entr" presetSubtype="0" fill="hold" nodeType="clickEffect">
-                                  <p:stCondLst>
-                                    <p:cond delay="0"/>
-                                  </p:stCondLst>
-                                  <p:childTnLst>
-                                    <p:set>
-                                      <p:cBhvr>
-                                        <p:cTn id="10" dur="1" fill="hold">
-                                          <p:stCondLst>
-                                            <p:cond delay="0"/>
-                                          </p:stCondLst>
-                                        </p:cTn>
-                                        <p:tgtEl>
-                                          <p:spTgt spid="6">
-                                            <p:txEl>
-                                              <p:pRg st="3" end="3"/>
-                                            </p:txEl>
-                                          </p:spTgt>
-                                        </p:tgtEl>
-                                        <p:attrNameLst>
-                                          <p:attrName>style.visibility</p:attrName>
-                                        </p:attrNameLst>
-                                      </p:cBhvr>
-                                      <p:to>
-                                        <p:strVal val="visible"/>
-                                      </p:to>
-                                    </p:set>
-                                  </p:childTnLst>
-                                </p:cTn>
-                              </p:par>
-                            </p:childTnLst>
-                          </p:cTn>
-                        </p:par>
-                      </p:childTnLst>
-                    </p:cTn>
-                  </p:par>
-                  <p:par>
-                    <p:cTn id="11" fill="hold">
-                      <p:stCondLst>
-                        <p:cond delay="indefinite"/>
-                      </p:stCondLst>
-                      <p:childTnLst>
-                        <p:par>
-                          <p:cTn id="12" fill="hold">
-                            <p:stCondLst>
-                              <p:cond delay="0"/>
-                            </p:stCondLst>
-                            <p:childTnLst>
-                              <p:par>
-                                <p:cTn id="13" presetID="1" presetClass="entr" presetSubtype="0" fill="hold" nodeType="clickEffect">
-                                  <p:stCondLst>
-                                    <p:cond delay="0"/>
-                                  </p:stCondLst>
-                                  <p:childTnLst>
-                                    <p:set>
-                                      <p:cBhvr>
-                                        <p:cTn id="14" dur="1" fill="hold">
-                                          <p:stCondLst>
-                                            <p:cond delay="0"/>
-                                          </p:stCondLst>
-                                        </p:cTn>
-                                        <p:tgtEl>
-                                          <p:spTgt spid="6">
-                                            <p:txEl>
-                                              <p:pRg st="5" end="5"/>
-                                            </p:txEl>
-                                          </p:spTgt>
-                                        </p:tgtEl>
-                                        <p:attrNameLst>
-                                          <p:attrName>style.visibility</p:attrName>
-                                        </p:attrNameLst>
-                                      </p:cBhvr>
-                                      <p:to>
-                                        <p:strVal val="visible"/>
-                                      </p:to>
-                                    </p:set>
-                                  </p:childTnLst>
-                                </p:cTn>
-                              </p:par>
-                            </p:childTnLst>
-                          </p:cTn>
-                        </p:par>
-                      </p:childTnLst>
-                    </p:cTn>
-                  </p:par>
-                  <p:par>
-                    <p:cTn id="15" fill="hold">
-                      <p:stCondLst>
-                        <p:cond delay="indefinite"/>
-                      </p:stCondLst>
-                      <p:childTnLst>
-                        <p:par>
-                          <p:cTn id="16" fill="hold">
-                            <p:stCondLst>
-                              <p:cond delay="0"/>
-                            </p:stCondLst>
-                            <p:childTnLst>
-                              <p:par>
-                                <p:cTn id="17" presetID="1" presetClass="entr" presetSubtype="0" fill="hold" nodeType="clickEffect">
-                                  <p:stCondLst>
-                                    <p:cond delay="0"/>
-                                  </p:stCondLst>
-                                  <p:childTnLst>
-                                    <p:set>
-                                      <p:cBhvr>
-                                        <p:cTn id="18" dur="1" fill="hold">
-                                          <p:stCondLst>
-                                            <p:cond delay="0"/>
-                                          </p:stCondLst>
-                                        </p:cTn>
-                                        <p:tgtEl>
-                                          <p:spTgt spid="6">
-                                            <p:txEl>
-                                              <p:pRg st="7" end="7"/>
-                                            </p:txEl>
-                                          </p:spTgt>
-                                        </p:tgtEl>
-                                        <p:attrNameLst>
-                                          <p:attrName>style.visibility</p:attrName>
-                                        </p:attrNameLst>
-                                      </p:cBhvr>
-                                      <p:to>
-                                        <p:strVal val="visible"/>
-                                      </p:to>
-                                    </p:set>
-                                  </p:childTnLst>
-                                </p:cTn>
-                              </p:par>
-                            </p:childTnLst>
-                          </p:cTn>
-                        </p:par>
-                      </p:childTnLst>
-                    </p:cTn>
-                  </p:par>
-                </p:childTnLst>
-              </p:cTn>
-              <p:prevCondLst>
-                <p:cond evt="onPrev" delay="0">
-                  <p:tgtEl>
-                    <p:sldTgt/>
-                  </p:tgtEl>
-                </p:cond>
-              </p:prevCondLst>
-              <p:nextCondLst>
-                <p:cond evt="onNext" delay="0">
-                  <p:tgtEl>
-                    <p:sldTgt/>
-                  </p:tgtEl>
-                </p:cond>
-              </p:nextCondLst>
-            </p:seq>
-          </p:childTnLst>
-        </p:cTn>
-      </p:par>
-    </p:tnLst>
-  </p:timing>
 </p:sld>
 </file>
 
